--- a/Poster.pptx
+++ b/Poster.pptx
@@ -12298,7 +12298,7 @@
         <p:spPr>
           <a:xfrm>
             <a:off x="5079999" y="367300"/>
-            <a:ext cx="51460399" cy="5278368"/>
+            <a:ext cx="51460399" cy="5355312"/>
           </a:xfrm>
           <a:prstGeom prst="rect">
             <a:avLst/>
@@ -12343,7 +12343,7 @@
               <a:defRPr/>
             </a:pPr>
             <a:r>
-              <a:rPr lang="en-US" altLang="en-US" sz="7000" dirty="0">
+              <a:rPr lang="en-US" altLang="en-US" sz="6500" dirty="0">
                 <a:solidFill>
                   <a:srgbClr val="FFFFFF"/>
                 </a:solidFill>
@@ -12365,7 +12365,7 @@
               <a:defRPr/>
             </a:pPr>
             <a:r>
-              <a:rPr lang="en-US" altLang="en-US" sz="5000" dirty="0">
+              <a:rPr lang="en-US" altLang="en-US" sz="6500" dirty="0">
                 <a:solidFill>
                   <a:srgbClr val="FFFFFF"/>
                 </a:solidFill>
@@ -12373,16 +12373,8 @@
                 <a:ea typeface="Inter" panose="02000503000000020004" pitchFamily="2" charset="0"/>
                 <a:cs typeface="Arial" panose="020B0604020202020204" pitchFamily="34" charset="0"/>
               </a:rPr>
-              <a:t> Zayd Krunz</a:t>
+              <a:t>Zayd Krunz</a:t>
             </a:r>
-            <a:endParaRPr lang="en-US" altLang="en-US" sz="4400" dirty="0">
-              <a:solidFill>
-                <a:srgbClr val="FFFFFF"/>
-              </a:solidFill>
-              <a:latin typeface="Arial" panose="020B0604020202020204" pitchFamily="34" charset="0"/>
-              <a:ea typeface="Inter" panose="02000503000000020004" pitchFamily="2" charset="0"/>
-              <a:cs typeface="Arial" panose="020B0604020202020204" pitchFamily="34" charset="0"/>
-            </a:endParaRPr>
           </a:p>
           <a:p>
             <a:pPr eaLnBrk="1" hangingPunct="1">

--- a/Poster.pptx
+++ b/Poster.pptx
@@ -2694,7 +2694,7 @@
           <a:p>
             <a:fld id="{7ACADFF2-B417-41A2-8B4F-57B66A4E1ABD}" type="datetimeFigureOut">
               <a:rPr lang="en-US" smtClean="0"/>
-              <a:t>7/16/25</a:t>
+              <a:t>7/17/25</a:t>
             </a:fld>
             <a:endParaRPr lang="en-US"/>
           </a:p>
@@ -3176,7 +3176,7 @@
           <a:p>
             <a:fld id="{4DE00E4B-295B-3643-81B9-D886B240B44E}" type="datetimeFigureOut">
               <a:rPr lang="en-US" smtClean="0"/>
-              <a:t>7/16/25</a:t>
+              <a:t>7/17/25</a:t>
             </a:fld>
             <a:endParaRPr lang="en-US"/>
           </a:p>
@@ -3346,7 +3346,7 @@
           <a:p>
             <a:fld id="{4DE00E4B-295B-3643-81B9-D886B240B44E}" type="datetimeFigureOut">
               <a:rPr lang="en-US" smtClean="0"/>
-              <a:t>7/16/25</a:t>
+              <a:t>7/17/25</a:t>
             </a:fld>
             <a:endParaRPr lang="en-US"/>
           </a:p>
@@ -3526,7 +3526,7 @@
           <a:p>
             <a:fld id="{4DE00E4B-295B-3643-81B9-D886B240B44E}" type="datetimeFigureOut">
               <a:rPr lang="en-US" smtClean="0"/>
-              <a:t>7/16/25</a:t>
+              <a:t>7/17/25</a:t>
             </a:fld>
             <a:endParaRPr lang="en-US"/>
           </a:p>
@@ -4700,7 +4700,7 @@
           <a:p>
             <a:fld id="{4DE00E4B-295B-3643-81B9-D886B240B44E}" type="datetimeFigureOut">
               <a:rPr lang="en-US" smtClean="0"/>
-              <a:t>7/16/25</a:t>
+              <a:t>7/17/25</a:t>
             </a:fld>
             <a:endParaRPr lang="en-US"/>
           </a:p>
@@ -4944,7 +4944,7 @@
           <a:p>
             <a:fld id="{4DE00E4B-295B-3643-81B9-D886B240B44E}" type="datetimeFigureOut">
               <a:rPr lang="en-US" smtClean="0"/>
-              <a:t>7/16/25</a:t>
+              <a:t>7/17/25</a:t>
             </a:fld>
             <a:endParaRPr lang="en-US"/>
           </a:p>
@@ -5176,7 +5176,7 @@
           <a:p>
             <a:fld id="{4DE00E4B-295B-3643-81B9-D886B240B44E}" type="datetimeFigureOut">
               <a:rPr lang="en-US" smtClean="0"/>
-              <a:t>7/16/25</a:t>
+              <a:t>7/17/25</a:t>
             </a:fld>
             <a:endParaRPr lang="en-US"/>
           </a:p>
@@ -5543,7 +5543,7 @@
           <a:p>
             <a:fld id="{4DE00E4B-295B-3643-81B9-D886B240B44E}" type="datetimeFigureOut">
               <a:rPr lang="en-US" smtClean="0"/>
-              <a:t>7/16/25</a:t>
+              <a:t>7/17/25</a:t>
             </a:fld>
             <a:endParaRPr lang="en-US"/>
           </a:p>
@@ -5661,7 +5661,7 @@
           <a:p>
             <a:fld id="{4DE00E4B-295B-3643-81B9-D886B240B44E}" type="datetimeFigureOut">
               <a:rPr lang="en-US" smtClean="0"/>
-              <a:t>7/16/25</a:t>
+              <a:t>7/17/25</a:t>
             </a:fld>
             <a:endParaRPr lang="en-US"/>
           </a:p>
@@ -5756,7 +5756,7 @@
           <a:p>
             <a:fld id="{4DE00E4B-295B-3643-81B9-D886B240B44E}" type="datetimeFigureOut">
               <a:rPr lang="en-US" smtClean="0"/>
-              <a:t>7/16/25</a:t>
+              <a:t>7/17/25</a:t>
             </a:fld>
             <a:endParaRPr lang="en-US"/>
           </a:p>
@@ -6033,7 +6033,7 @@
           <a:p>
             <a:fld id="{4DE00E4B-295B-3643-81B9-D886B240B44E}" type="datetimeFigureOut">
               <a:rPr lang="en-US" smtClean="0"/>
-              <a:t>7/16/25</a:t>
+              <a:t>7/17/25</a:t>
             </a:fld>
             <a:endParaRPr lang="en-US"/>
           </a:p>
@@ -6290,7 +6290,7 @@
           <a:p>
             <a:fld id="{4DE00E4B-295B-3643-81B9-D886B240B44E}" type="datetimeFigureOut">
               <a:rPr lang="en-US" smtClean="0"/>
-              <a:t>7/16/25</a:t>
+              <a:t>7/17/25</a:t>
             </a:fld>
             <a:endParaRPr lang="en-US"/>
           </a:p>
@@ -6503,7 +6503,7 @@
           <a:p>
             <a:fld id="{4DE00E4B-295B-3643-81B9-D886B240B44E}" type="datetimeFigureOut">
               <a:rPr lang="en-US" smtClean="0"/>
-              <a:t>7/16/25</a:t>
+              <a:t>7/17/25</a:t>
             </a:fld>
             <a:endParaRPr lang="en-US"/>
           </a:p>
@@ -10620,7 +10620,7 @@
         <p:spPr bwMode="auto">
           <a:xfrm>
             <a:off x="565448" y="6678620"/>
-            <a:ext cx="9829800" cy="5788636"/>
+            <a:ext cx="9829800" cy="4829527"/>
           </a:xfrm>
           <a:prstGeom prst="rect">
             <a:avLst/>
@@ -10749,7 +10749,7 @@
           <a:p>
             <a:pPr>
               <a:lnSpc>
-                <a:spcPts val="4600"/>
+                <a:spcPts val="5500"/>
               </a:lnSpc>
               <a:spcAft>
                 <a:spcPts val="1200"/>
@@ -10774,11 +10774,6 @@
             </a:endParaRPr>
           </a:p>
           <a:p>
-            <a:pPr>
-              <a:lnSpc>
-                <a:spcPts val="5600"/>
-              </a:lnSpc>
-            </a:pPr>
             <a:r>
               <a:rPr lang="en-US" altLang="en-US" sz="3600" dirty="0">
                 <a:solidFill>
@@ -10808,7 +10803,7 @@
         </p:nvSpPr>
         <p:spPr>
           <a:xfrm>
-            <a:off x="409668" y="13733447"/>
+            <a:off x="360956" y="12543555"/>
             <a:ext cx="9714350" cy="11822339"/>
           </a:xfrm>
           <a:prstGeom prst="rect">
@@ -10828,9 +10823,6 @@
           <a:lstStyle/>
           <a:p>
             <a:pPr>
-              <a:lnSpc>
-                <a:spcPts val="4600"/>
-              </a:lnSpc>
               <a:spcAft>
                 <a:spcPts val="1200"/>
               </a:spcAft>
@@ -10849,9 +10841,6 @@
           </a:p>
           <a:p>
             <a:pPr>
-              <a:lnSpc>
-                <a:spcPts val="4600"/>
-              </a:lnSpc>
               <a:spcBef>
                 <a:spcPts val="0"/>
               </a:spcBef>
@@ -10902,9 +10891,6 @@
           </a:p>
           <a:p>
             <a:pPr>
-              <a:lnSpc>
-                <a:spcPts val="4600"/>
-              </a:lnSpc>
               <a:spcBef>
                 <a:spcPts val="0"/>
               </a:spcBef>
@@ -10926,9 +10912,6 @@
           </a:p>
           <a:p>
             <a:pPr marL="914400" lvl="1" indent="-457200">
-              <a:lnSpc>
-                <a:spcPts val="4600"/>
-              </a:lnSpc>
               <a:spcBef>
                 <a:spcPts val="0"/>
               </a:spcBef>
@@ -10982,9 +10965,6 @@
           </a:p>
           <a:p>
             <a:pPr>
-              <a:lnSpc>
-                <a:spcPts val="4600"/>
-              </a:lnSpc>
               <a:spcAft>
                 <a:spcPts val="1200"/>
               </a:spcAft>
@@ -11003,9 +10983,6 @@
           </a:p>
           <a:p>
             <a:pPr marL="914400" lvl="1" indent="-457200">
-              <a:lnSpc>
-                <a:spcPts val="4600"/>
-              </a:lnSpc>
               <a:spcBef>
                 <a:spcPts val="0"/>
               </a:spcBef>
@@ -11061,7 +11038,7 @@
         <p:spPr>
           <a:xfrm>
             <a:off x="10674641" y="6750327"/>
-            <a:ext cx="9912168" cy="9052350"/>
+            <a:ext cx="9912168" cy="8592096"/>
           </a:xfrm>
           <a:prstGeom prst="rect">
             <a:avLst/>
@@ -11096,14 +11073,11 @@
                 <a:latin typeface="Arial" panose="020B0604020202020204" pitchFamily="34" charset="0"/>
                 <a:cs typeface="Arial" panose="020B0604020202020204" pitchFamily="34" charset="0"/>
               </a:rPr>
-              <a:t>Data Analysis </a:t>
+              <a:t>Data Analysis &amp; Results </a:t>
             </a:r>
           </a:p>
           <a:p>
             <a:pPr>
-              <a:lnSpc>
-                <a:spcPts val="4600"/>
-              </a:lnSpc>
               <a:spcBef>
                 <a:spcPts val="0"/>
               </a:spcBef>
@@ -11207,7 +11181,7 @@
         </p:nvSpPr>
         <p:spPr>
           <a:xfrm>
-            <a:off x="32753319" y="6459222"/>
+            <a:off x="32753320" y="14669600"/>
             <a:ext cx="10792673" cy="9950032"/>
           </a:xfrm>
           <a:prstGeom prst="rect">
@@ -11227,9 +11201,6 @@
           <a:lstStyle/>
           <a:p>
             <a:pPr>
-              <a:lnSpc>
-                <a:spcPts val="4600"/>
-              </a:lnSpc>
               <a:spcAft>
                 <a:spcPts val="1200"/>
               </a:spcAft>
@@ -11243,14 +11214,11 @@
                 <a:latin typeface="Arial" panose="020B0604020202020204" pitchFamily="34" charset="0"/>
                 <a:cs typeface="Arial" panose="020B0604020202020204" pitchFamily="34" charset="0"/>
               </a:rPr>
-              <a:t>Conclusion</a:t>
+              <a:t>Conclusion &amp; Insights</a:t>
             </a:r>
           </a:p>
           <a:p>
             <a:pPr>
-              <a:lnSpc>
-                <a:spcPts val="4600"/>
-              </a:lnSpc>
               <a:spcBef>
                 <a:spcPts val="0"/>
               </a:spcBef>
@@ -11275,9 +11243,6 @@
           </a:p>
           <a:p>
             <a:pPr marL="914400" lvl="1" indent="-457200">
-              <a:lnSpc>
-                <a:spcPts val="4600"/>
-              </a:lnSpc>
               <a:spcAft>
                 <a:spcPts val="1200"/>
               </a:spcAft>
@@ -11318,9 +11283,6 @@
           </a:p>
           <a:p>
             <a:pPr marL="914400" lvl="1" indent="-457200">
-              <a:lnSpc>
-                <a:spcPts val="4600"/>
-              </a:lnSpc>
               <a:spcBef>
                 <a:spcPts val="0"/>
               </a:spcBef>
@@ -11405,7 +11367,7 @@
         <p:spPr>
           <a:xfrm>
             <a:off x="21607197" y="15707339"/>
-            <a:ext cx="9784080" cy="9283182"/>
+            <a:ext cx="9784080" cy="9156353"/>
           </a:xfrm>
           <a:prstGeom prst="rect">
             <a:avLst/>
@@ -11424,9 +11386,6 @@
           <a:lstStyle/>
           <a:p>
             <a:pPr>
-              <a:lnSpc>
-                <a:spcPts val="4600"/>
-              </a:lnSpc>
               <a:spcAft>
                 <a:spcPts val="1200"/>
               </a:spcAft>
@@ -11440,14 +11399,11 @@
                 <a:latin typeface="Arial" panose="020B0604020202020204" pitchFamily="34" charset="0"/>
                 <a:cs typeface="Arial" panose="020B0604020202020204" pitchFamily="34" charset="0"/>
               </a:rPr>
-              <a:t>Models &amp; Results</a:t>
+              <a:t>Machine Learning Results</a:t>
             </a:r>
           </a:p>
           <a:p>
             <a:pPr>
-              <a:lnSpc>
-                <a:spcPts val="4600"/>
-              </a:lnSpc>
               <a:spcBef>
                 <a:spcPts val="0"/>
               </a:spcBef>
@@ -11472,9 +11428,6 @@
           </a:p>
           <a:p>
             <a:pPr marL="914400" marR="0" lvl="1" indent="-457200" algn="l" defTabSz="457200" rtl="0" eaLnBrk="1" fontAlgn="auto" latinLnBrk="0" hangingPunct="1">
-              <a:lnSpc>
-                <a:spcPts val="4600"/>
-              </a:lnSpc>
               <a:spcBef>
                 <a:spcPts val="0"/>
               </a:spcBef>
@@ -11512,9 +11465,6 @@
           </a:p>
           <a:p>
             <a:pPr marR="0" lvl="1" algn="l" defTabSz="457200" rtl="0" eaLnBrk="1" fontAlgn="auto" latinLnBrk="0" hangingPunct="1">
-              <a:lnSpc>
-                <a:spcPts val="4600"/>
-              </a:lnSpc>
               <a:spcBef>
                 <a:spcPts val="0"/>
               </a:spcBef>
@@ -11541,9 +11491,6 @@
           </a:p>
           <a:p>
             <a:pPr marR="0" lvl="1" algn="l" defTabSz="457200" rtl="0" eaLnBrk="1" fontAlgn="auto" latinLnBrk="0" hangingPunct="1">
-              <a:lnSpc>
-                <a:spcPts val="4600"/>
-              </a:lnSpc>
               <a:spcBef>
                 <a:spcPts val="0"/>
               </a:spcBef>
@@ -11733,9 +11680,6 @@
           <a:lstStyle/>
           <a:p>
             <a:pPr>
-              <a:lnSpc>
-                <a:spcPts val="3800"/>
-              </a:lnSpc>
               <a:spcAft>
                 <a:spcPts val="1200"/>
               </a:spcAft>
@@ -11765,9 +11709,6 @@
           </a:p>
           <a:p>
             <a:pPr>
-              <a:lnSpc>
-                <a:spcPts val="3800"/>
-              </a:lnSpc>
               <a:spcBef>
                 <a:spcPts val="0"/>
               </a:spcBef>
@@ -11847,9 +11788,6 @@
           </a:p>
           <a:p>
             <a:pPr>
-              <a:lnSpc>
-                <a:spcPts val="3800"/>
-              </a:lnSpc>
               <a:buClr>
                 <a:schemeClr val="tx2"/>
               </a:buClr>
@@ -11925,9 +11863,6 @@
           </a:p>
           <a:p>
             <a:pPr>
-              <a:lnSpc>
-                <a:spcPts val="3800"/>
-              </a:lnSpc>
               <a:buClr>
                 <a:schemeClr val="tx2"/>
               </a:buClr>
@@ -12055,9 +11990,6 @@
           </a:p>
           <a:p>
             <a:pPr>
-              <a:lnSpc>
-                <a:spcPts val="3800"/>
-              </a:lnSpc>
               <a:buClr>
                 <a:schemeClr val="tx2"/>
               </a:buClr>
@@ -12194,7 +12126,7 @@
         </p:nvCxnSpPr>
         <p:spPr bwMode="auto">
           <a:xfrm>
-            <a:off x="484788" y="12947490"/>
+            <a:off x="437683" y="12133112"/>
             <a:ext cx="9589328" cy="0"/>
           </a:xfrm>
           <a:prstGeom prst="line">
@@ -12297,7 +12229,7 @@
         </p:nvSpPr>
         <p:spPr>
           <a:xfrm>
-            <a:off x="5079999" y="367300"/>
+            <a:off x="5080000" y="821123"/>
             <a:ext cx="51460399" cy="5355312"/>
           </a:xfrm>
           <a:prstGeom prst="rect">
@@ -12986,13 +12918,13 @@
           <p:nvPr>
             <p:extLst>
               <p:ext uri="{D42A27DB-BD31-4B8C-83A1-F6EECF244321}">
-                <p14:modId xmlns:p14="http://schemas.microsoft.com/office/powerpoint/2010/main" val="1152940325"/>
+                <p14:modId xmlns:p14="http://schemas.microsoft.com/office/powerpoint/2010/main" val="2432185518"/>
               </p:ext>
             </p:extLst>
           </p:nvPr>
         </p:nvGraphicFramePr>
         <p:xfrm>
-          <a:off x="442093" y="25313135"/>
+          <a:off x="394988" y="24498757"/>
           <a:ext cx="8822975" cy="7288516"/>
         </p:xfrm>
         <a:graphic>
@@ -13189,36 +13121,6 @@
       </p:sp>
       <p:pic>
         <p:nvPicPr>
-          <p:cNvPr id="6" name="Picture 5">
-            <a:extLst>
-              <a:ext uri="{FF2B5EF4-FFF2-40B4-BE49-F238E27FC236}">
-                <a16:creationId xmlns:a16="http://schemas.microsoft.com/office/drawing/2014/main" id="{4F42DD70-8A8A-0663-B8CD-F2A75EB2772F}"/>
-              </a:ext>
-            </a:extLst>
-          </p:cNvPr>
-          <p:cNvPicPr>
-            <a:picLocks noChangeAspect="1"/>
-          </p:cNvPicPr>
-          <p:nvPr/>
-        </p:nvPicPr>
-        <p:blipFill>
-          <a:blip r:embed="rId12"/>
-          <a:stretch>
-            <a:fillRect/>
-          </a:stretch>
-        </p:blipFill>
-        <p:spPr>
-          <a:xfrm>
-            <a:off x="20961350" y="15792450"/>
-            <a:ext cx="1968500" cy="1333500"/>
-          </a:xfrm>
-          <a:prstGeom prst="rect">
-            <a:avLst/>
-          </a:prstGeom>
-        </p:spPr>
-      </p:pic>
-      <p:pic>
-        <p:nvPicPr>
           <p:cNvPr id="10" name="Picture 2">
             <a:extLst>
               <a:ext uri="{FF2B5EF4-FFF2-40B4-BE49-F238E27FC236}">
@@ -13232,7 +13134,7 @@
           <p:nvPr/>
         </p:nvPicPr>
         <p:blipFill>
-          <a:blip r:embed="rId13">
+          <a:blip r:embed="rId12">
             <a:extLst>
               <a:ext uri="{28A0092B-C50C-407E-A947-70E740481C1C}">
                 <a14:useLocalDpi xmlns:a14="http://schemas.microsoft.com/office/drawing/2010/main" val="0"/>
@@ -13279,7 +13181,7 @@
           <p:nvPr/>
         </p:nvPicPr>
         <p:blipFill>
-          <a:blip r:embed="rId14"/>
+          <a:blip r:embed="rId13"/>
           <a:stretch>
             <a:fillRect/>
           </a:stretch>
@@ -13309,7 +13211,7 @@
           <p:nvPr/>
         </p:nvPicPr>
         <p:blipFill>
-          <a:blip r:embed="rId15">
+          <a:blip r:embed="rId14">
             <a:extLst>
               <a:ext uri="{28A0092B-C50C-407E-A947-70E740481C1C}">
                 <a14:useLocalDpi xmlns:a14="http://schemas.microsoft.com/office/drawing/2010/main" val="0"/>
@@ -13356,7 +13258,7 @@
           <p:nvPr/>
         </p:nvPicPr>
         <p:blipFill>
-          <a:blip r:embed="rId16">
+          <a:blip r:embed="rId15">
             <a:extLst>
               <a:ext uri="{28A0092B-C50C-407E-A947-70E740481C1C}">
                 <a14:useLocalDpi xmlns:a14="http://schemas.microsoft.com/office/drawing/2010/main" val="0"/>
@@ -13370,7 +13272,7 @@
         </p:blipFill>
         <p:spPr bwMode="auto">
           <a:xfrm>
-            <a:off x="32203653" y="16766986"/>
+            <a:off x="32222259" y="6096281"/>
             <a:ext cx="11687547" cy="7739051"/>
           </a:xfrm>
           <a:prstGeom prst="rect">

--- a/Poster.pptx
+++ b/Poster.pptx
@@ -13272,7 +13272,7 @@
         </p:blipFill>
         <p:spPr bwMode="auto">
           <a:xfrm>
-            <a:off x="32222259" y="6096281"/>
+            <a:off x="32189602" y="6096281"/>
             <a:ext cx="11687547" cy="7739051"/>
           </a:xfrm>
           <a:prstGeom prst="rect">
@@ -13290,6 +13290,41 @@
           </a:extLst>
         </p:spPr>
       </p:pic>
+      <p:cxnSp>
+        <p:nvCxnSpPr>
+          <p:cNvPr id="3" name="Straight Connector 2">
+            <a:extLst>
+              <a:ext uri="{FF2B5EF4-FFF2-40B4-BE49-F238E27FC236}">
+                <a16:creationId xmlns:a16="http://schemas.microsoft.com/office/drawing/2014/main" id="{20511FE5-D0FC-F79D-B1DE-97F2AE521481}"/>
+              </a:ext>
+            </a:extLst>
+          </p:cNvPr>
+          <p:cNvCxnSpPr>
+            <a:cxnSpLocks/>
+          </p:cNvCxnSpPr>
+          <p:nvPr/>
+        </p:nvCxnSpPr>
+        <p:spPr bwMode="auto">
+          <a:xfrm>
+            <a:off x="32643580" y="14202507"/>
+            <a:ext cx="10509705" cy="0"/>
+          </a:xfrm>
+          <a:prstGeom prst="line">
+            <a:avLst/>
+          </a:prstGeom>
+          <a:noFill/>
+          <a:ln w="25400" cap="sq" cmpd="sng" algn="ctr">
+            <a:solidFill>
+              <a:schemeClr val="tx1"/>
+            </a:solidFill>
+            <a:prstDash val="dash"/>
+            <a:round/>
+            <a:headEnd type="oval" w="med" len="med"/>
+            <a:tailEnd type="oval" w="med" len="med"/>
+          </a:ln>
+          <a:effectLst/>
+        </p:spPr>
+      </p:cxnSp>
     </p:spTree>
     <p:extLst>
       <p:ext uri="{BB962C8B-B14F-4D97-AF65-F5344CB8AC3E}">

--- a/Poster.pptx
+++ b/Poster.pptx
@@ -122,2494 +122,6 @@
     <p1510:client id="{5E55D395-858E-5A46-87CA-E3CEABEB023F}" v="97" dt="2025-07-17T03:30:40.963"/>
   </p1510:revLst>
 </p1510:revInfo>
-</file>
-
-<file path=ppt/diagrams/colors1.xml><?xml version="1.0" encoding="utf-8"?>
-<dgm:colorsDef xmlns:dgm="http://schemas.openxmlformats.org/drawingml/2006/diagram" xmlns:a="http://schemas.openxmlformats.org/drawingml/2006/main" uniqueId="urn:microsoft.com/office/officeart/2005/8/colors/accent1_2">
-  <dgm:title val=""/>
-  <dgm:desc val=""/>
-  <dgm:catLst>
-    <dgm:cat type="accent1" pri="11200"/>
-  </dgm:catLst>
-  <dgm:styleLbl name="node0">
-    <dgm:fillClrLst meth="repeat">
-      <a:schemeClr val="accent1"/>
-    </dgm:fillClrLst>
-    <dgm:linClrLst meth="repeat">
-      <a:schemeClr val="lt1"/>
-    </dgm:linClrLst>
-    <dgm:effectClrLst/>
-    <dgm:txLinClrLst/>
-    <dgm:txFillClrLst/>
-    <dgm:txEffectClrLst/>
-  </dgm:styleLbl>
-  <dgm:styleLbl name="alignNode1">
-    <dgm:fillClrLst meth="repeat">
-      <a:schemeClr val="accent1"/>
-    </dgm:fillClrLst>
-    <dgm:linClrLst meth="repeat">
-      <a:schemeClr val="accent1"/>
-    </dgm:linClrLst>
-    <dgm:effectClrLst/>
-    <dgm:txLinClrLst/>
-    <dgm:txFillClrLst/>
-    <dgm:txEffectClrLst/>
-  </dgm:styleLbl>
-  <dgm:styleLbl name="node1">
-    <dgm:fillClrLst meth="repeat">
-      <a:schemeClr val="accent1"/>
-    </dgm:fillClrLst>
-    <dgm:linClrLst meth="repeat">
-      <a:schemeClr val="lt1"/>
-    </dgm:linClrLst>
-    <dgm:effectClrLst/>
-    <dgm:txLinClrLst/>
-    <dgm:txFillClrLst/>
-    <dgm:txEffectClrLst/>
-  </dgm:styleLbl>
-  <dgm:styleLbl name="lnNode1">
-    <dgm:fillClrLst meth="repeat">
-      <a:schemeClr val="accent1"/>
-    </dgm:fillClrLst>
-    <dgm:linClrLst meth="repeat">
-      <a:schemeClr val="lt1"/>
-    </dgm:linClrLst>
-    <dgm:effectClrLst/>
-    <dgm:txLinClrLst/>
-    <dgm:txFillClrLst/>
-    <dgm:txEffectClrLst/>
-  </dgm:styleLbl>
-  <dgm:styleLbl name="vennNode1">
-    <dgm:fillClrLst meth="repeat">
-      <a:schemeClr val="accent1">
-        <a:alpha val="50000"/>
-      </a:schemeClr>
-    </dgm:fillClrLst>
-    <dgm:linClrLst meth="repeat">
-      <a:schemeClr val="lt1"/>
-    </dgm:linClrLst>
-    <dgm:effectClrLst/>
-    <dgm:txLinClrLst/>
-    <dgm:txFillClrLst/>
-    <dgm:txEffectClrLst/>
-  </dgm:styleLbl>
-  <dgm:styleLbl name="node2">
-    <dgm:fillClrLst meth="repeat">
-      <a:schemeClr val="accent1"/>
-    </dgm:fillClrLst>
-    <dgm:linClrLst meth="repeat">
-      <a:schemeClr val="lt1"/>
-    </dgm:linClrLst>
-    <dgm:effectClrLst/>
-    <dgm:txLinClrLst/>
-    <dgm:txFillClrLst/>
-    <dgm:txEffectClrLst/>
-  </dgm:styleLbl>
-  <dgm:styleLbl name="node3">
-    <dgm:fillClrLst meth="repeat">
-      <a:schemeClr val="accent1"/>
-    </dgm:fillClrLst>
-    <dgm:linClrLst meth="repeat">
-      <a:schemeClr val="lt1"/>
-    </dgm:linClrLst>
-    <dgm:effectClrLst/>
-    <dgm:txLinClrLst/>
-    <dgm:txFillClrLst/>
-    <dgm:txEffectClrLst/>
-  </dgm:styleLbl>
-  <dgm:styleLbl name="node4">
-    <dgm:fillClrLst meth="repeat">
-      <a:schemeClr val="accent1"/>
-    </dgm:fillClrLst>
-    <dgm:linClrLst meth="repeat">
-      <a:schemeClr val="lt1"/>
-    </dgm:linClrLst>
-    <dgm:effectClrLst/>
-    <dgm:txLinClrLst/>
-    <dgm:txFillClrLst/>
-    <dgm:txEffectClrLst/>
-  </dgm:styleLbl>
-  <dgm:styleLbl name="fgImgPlace1">
-    <dgm:fillClrLst meth="repeat">
-      <a:schemeClr val="accent1">
-        <a:tint val="50000"/>
-      </a:schemeClr>
-    </dgm:fillClrLst>
-    <dgm:linClrLst meth="repeat">
-      <a:schemeClr val="lt1"/>
-    </dgm:linClrLst>
-    <dgm:effectClrLst/>
-    <dgm:txLinClrLst/>
-    <dgm:txFillClrLst meth="repeat">
-      <a:schemeClr val="lt1"/>
-    </dgm:txFillClrLst>
-    <dgm:txEffectClrLst/>
-  </dgm:styleLbl>
-  <dgm:styleLbl name="alignImgPlace1">
-    <dgm:fillClrLst meth="repeat">
-      <a:schemeClr val="accent1">
-        <a:tint val="50000"/>
-      </a:schemeClr>
-    </dgm:fillClrLst>
-    <dgm:linClrLst meth="repeat">
-      <a:schemeClr val="lt1"/>
-    </dgm:linClrLst>
-    <dgm:effectClrLst/>
-    <dgm:txLinClrLst/>
-    <dgm:txFillClrLst meth="repeat">
-      <a:schemeClr val="lt1"/>
-    </dgm:txFillClrLst>
-    <dgm:txEffectClrLst/>
-  </dgm:styleLbl>
-  <dgm:styleLbl name="bgImgPlace1">
-    <dgm:fillClrLst meth="repeat">
-      <a:schemeClr val="accent1">
-        <a:tint val="50000"/>
-      </a:schemeClr>
-    </dgm:fillClrLst>
-    <dgm:linClrLst meth="repeat">
-      <a:schemeClr val="lt1"/>
-    </dgm:linClrLst>
-    <dgm:effectClrLst/>
-    <dgm:txLinClrLst/>
-    <dgm:txFillClrLst meth="repeat">
-      <a:schemeClr val="lt1"/>
-    </dgm:txFillClrLst>
-    <dgm:txEffectClrLst/>
-  </dgm:styleLbl>
-  <dgm:styleLbl name="sibTrans2D1">
-    <dgm:fillClrLst meth="repeat">
-      <a:schemeClr val="accent1">
-        <a:tint val="60000"/>
-      </a:schemeClr>
-    </dgm:fillClrLst>
-    <dgm:linClrLst meth="repeat">
-      <a:schemeClr val="accent1">
-        <a:tint val="60000"/>
-      </a:schemeClr>
-    </dgm:linClrLst>
-    <dgm:effectClrLst/>
-    <dgm:txLinClrLst/>
-    <dgm:txFillClrLst/>
-    <dgm:txEffectClrLst/>
-  </dgm:styleLbl>
-  <dgm:styleLbl name="fgSibTrans2D1">
-    <dgm:fillClrLst meth="repeat">
-      <a:schemeClr val="accent1">
-        <a:tint val="60000"/>
-      </a:schemeClr>
-    </dgm:fillClrLst>
-    <dgm:linClrLst meth="repeat">
-      <a:schemeClr val="accent1">
-        <a:tint val="60000"/>
-      </a:schemeClr>
-    </dgm:linClrLst>
-    <dgm:effectClrLst/>
-    <dgm:txLinClrLst/>
-    <dgm:txFillClrLst/>
-    <dgm:txEffectClrLst/>
-  </dgm:styleLbl>
-  <dgm:styleLbl name="bgSibTrans2D1">
-    <dgm:fillClrLst meth="repeat">
-      <a:schemeClr val="accent1">
-        <a:tint val="60000"/>
-      </a:schemeClr>
-    </dgm:fillClrLst>
-    <dgm:linClrLst meth="repeat">
-      <a:schemeClr val="accent1">
-        <a:tint val="60000"/>
-      </a:schemeClr>
-    </dgm:linClrLst>
-    <dgm:effectClrLst/>
-    <dgm:txLinClrLst/>
-    <dgm:txFillClrLst/>
-    <dgm:txEffectClrLst/>
-  </dgm:styleLbl>
-  <dgm:styleLbl name="sibTrans1D1">
-    <dgm:fillClrLst meth="repeat">
-      <a:schemeClr val="accent1"/>
-    </dgm:fillClrLst>
-    <dgm:linClrLst meth="repeat">
-      <a:schemeClr val="accent1"/>
-    </dgm:linClrLst>
-    <dgm:effectClrLst/>
-    <dgm:txLinClrLst/>
-    <dgm:txFillClrLst meth="repeat">
-      <a:schemeClr val="tx1"/>
-    </dgm:txFillClrLst>
-    <dgm:txEffectClrLst/>
-  </dgm:styleLbl>
-  <dgm:styleLbl name="callout">
-    <dgm:fillClrLst meth="repeat">
-      <a:schemeClr val="accent1"/>
-    </dgm:fillClrLst>
-    <dgm:linClrLst meth="repeat">
-      <a:schemeClr val="accent1">
-        <a:tint val="50000"/>
-      </a:schemeClr>
-    </dgm:linClrLst>
-    <dgm:effectClrLst/>
-    <dgm:txLinClrLst/>
-    <dgm:txFillClrLst meth="repeat">
-      <a:schemeClr val="tx1"/>
-    </dgm:txFillClrLst>
-    <dgm:txEffectClrLst/>
-  </dgm:styleLbl>
-  <dgm:styleLbl name="asst0">
-    <dgm:fillClrLst meth="repeat">
-      <a:schemeClr val="accent1"/>
-    </dgm:fillClrLst>
-    <dgm:linClrLst meth="repeat">
-      <a:schemeClr val="lt1"/>
-    </dgm:linClrLst>
-    <dgm:effectClrLst/>
-    <dgm:txLinClrLst/>
-    <dgm:txFillClrLst/>
-    <dgm:txEffectClrLst/>
-  </dgm:styleLbl>
-  <dgm:styleLbl name="asst1">
-    <dgm:fillClrLst meth="repeat">
-      <a:schemeClr val="accent1"/>
-    </dgm:fillClrLst>
-    <dgm:linClrLst meth="repeat">
-      <a:schemeClr val="lt1"/>
-    </dgm:linClrLst>
-    <dgm:effectClrLst/>
-    <dgm:txLinClrLst/>
-    <dgm:txFillClrLst/>
-    <dgm:txEffectClrLst/>
-  </dgm:styleLbl>
-  <dgm:styleLbl name="asst2">
-    <dgm:fillClrLst meth="repeat">
-      <a:schemeClr val="accent1"/>
-    </dgm:fillClrLst>
-    <dgm:linClrLst meth="repeat">
-      <a:schemeClr val="lt1"/>
-    </dgm:linClrLst>
-    <dgm:effectClrLst/>
-    <dgm:txLinClrLst/>
-    <dgm:txFillClrLst/>
-    <dgm:txEffectClrLst/>
-  </dgm:styleLbl>
-  <dgm:styleLbl name="asst3">
-    <dgm:fillClrLst meth="repeat">
-      <a:schemeClr val="accent1"/>
-    </dgm:fillClrLst>
-    <dgm:linClrLst meth="repeat">
-      <a:schemeClr val="lt1"/>
-    </dgm:linClrLst>
-    <dgm:effectClrLst/>
-    <dgm:txLinClrLst/>
-    <dgm:txFillClrLst/>
-    <dgm:txEffectClrLst/>
-  </dgm:styleLbl>
-  <dgm:styleLbl name="asst4">
-    <dgm:fillClrLst meth="repeat">
-      <a:schemeClr val="accent1"/>
-    </dgm:fillClrLst>
-    <dgm:linClrLst meth="repeat">
-      <a:schemeClr val="lt1"/>
-    </dgm:linClrLst>
-    <dgm:effectClrLst/>
-    <dgm:txLinClrLst/>
-    <dgm:txFillClrLst/>
-    <dgm:txEffectClrLst/>
-  </dgm:styleLbl>
-  <dgm:styleLbl name="parChTrans2D1">
-    <dgm:fillClrLst meth="repeat">
-      <a:schemeClr val="accent1">
-        <a:tint val="60000"/>
-      </a:schemeClr>
-    </dgm:fillClrLst>
-    <dgm:linClrLst meth="repeat">
-      <a:schemeClr val="accent1">
-        <a:tint val="60000"/>
-      </a:schemeClr>
-    </dgm:linClrLst>
-    <dgm:effectClrLst/>
-    <dgm:txLinClrLst/>
-    <dgm:txFillClrLst meth="repeat">
-      <a:schemeClr val="lt1"/>
-    </dgm:txFillClrLst>
-    <dgm:txEffectClrLst/>
-  </dgm:styleLbl>
-  <dgm:styleLbl name="parChTrans2D2">
-    <dgm:fillClrLst meth="repeat">
-      <a:schemeClr val="accent1"/>
-    </dgm:fillClrLst>
-    <dgm:linClrLst meth="repeat">
-      <a:schemeClr val="accent1"/>
-    </dgm:linClrLst>
-    <dgm:effectClrLst/>
-    <dgm:txLinClrLst/>
-    <dgm:txFillClrLst meth="repeat">
-      <a:schemeClr val="lt1"/>
-    </dgm:txFillClrLst>
-    <dgm:txEffectClrLst/>
-  </dgm:styleLbl>
-  <dgm:styleLbl name="parChTrans2D3">
-    <dgm:fillClrLst meth="repeat">
-      <a:schemeClr val="accent1"/>
-    </dgm:fillClrLst>
-    <dgm:linClrLst meth="repeat">
-      <a:schemeClr val="accent1"/>
-    </dgm:linClrLst>
-    <dgm:effectClrLst/>
-    <dgm:txLinClrLst/>
-    <dgm:txFillClrLst meth="repeat">
-      <a:schemeClr val="lt1"/>
-    </dgm:txFillClrLst>
-    <dgm:txEffectClrLst/>
-  </dgm:styleLbl>
-  <dgm:styleLbl name="parChTrans2D4">
-    <dgm:fillClrLst meth="repeat">
-      <a:schemeClr val="accent1"/>
-    </dgm:fillClrLst>
-    <dgm:linClrLst meth="repeat">
-      <a:schemeClr val="accent1"/>
-    </dgm:linClrLst>
-    <dgm:effectClrLst/>
-    <dgm:txLinClrLst/>
-    <dgm:txFillClrLst meth="repeat">
-      <a:schemeClr val="lt1"/>
-    </dgm:txFillClrLst>
-    <dgm:txEffectClrLst/>
-  </dgm:styleLbl>
-  <dgm:styleLbl name="parChTrans1D1">
-    <dgm:fillClrLst meth="repeat">
-      <a:schemeClr val="accent1"/>
-    </dgm:fillClrLst>
-    <dgm:linClrLst meth="repeat">
-      <a:schemeClr val="accent1">
-        <a:shade val="60000"/>
-      </a:schemeClr>
-    </dgm:linClrLst>
-    <dgm:effectClrLst/>
-    <dgm:txLinClrLst/>
-    <dgm:txFillClrLst meth="repeat">
-      <a:schemeClr val="tx1"/>
-    </dgm:txFillClrLst>
-    <dgm:txEffectClrLst/>
-  </dgm:styleLbl>
-  <dgm:styleLbl name="parChTrans1D2">
-    <dgm:fillClrLst meth="repeat">
-      <a:schemeClr val="accent1"/>
-    </dgm:fillClrLst>
-    <dgm:linClrLst meth="repeat">
-      <a:schemeClr val="accent1">
-        <a:shade val="60000"/>
-      </a:schemeClr>
-    </dgm:linClrLst>
-    <dgm:effectClrLst/>
-    <dgm:txLinClrLst/>
-    <dgm:txFillClrLst meth="repeat">
-      <a:schemeClr val="tx1"/>
-    </dgm:txFillClrLst>
-    <dgm:txEffectClrLst/>
-  </dgm:styleLbl>
-  <dgm:styleLbl name="parChTrans1D3">
-    <dgm:fillClrLst meth="repeat">
-      <a:schemeClr val="accent1"/>
-    </dgm:fillClrLst>
-    <dgm:linClrLst meth="repeat">
-      <a:schemeClr val="accent1">
-        <a:shade val="80000"/>
-      </a:schemeClr>
-    </dgm:linClrLst>
-    <dgm:effectClrLst/>
-    <dgm:txLinClrLst/>
-    <dgm:txFillClrLst meth="repeat">
-      <a:schemeClr val="tx1"/>
-    </dgm:txFillClrLst>
-    <dgm:txEffectClrLst/>
-  </dgm:styleLbl>
-  <dgm:styleLbl name="parChTrans1D4">
-    <dgm:fillClrLst meth="repeat">
-      <a:schemeClr val="accent1"/>
-    </dgm:fillClrLst>
-    <dgm:linClrLst meth="repeat">
-      <a:schemeClr val="accent1">
-        <a:shade val="80000"/>
-      </a:schemeClr>
-    </dgm:linClrLst>
-    <dgm:effectClrLst/>
-    <dgm:txLinClrLst/>
-    <dgm:txFillClrLst meth="repeat">
-      <a:schemeClr val="tx1"/>
-    </dgm:txFillClrLst>
-    <dgm:txEffectClrLst/>
-  </dgm:styleLbl>
-  <dgm:styleLbl name="fgAcc1">
-    <dgm:fillClrLst meth="repeat">
-      <a:schemeClr val="lt1">
-        <a:alpha val="90000"/>
-      </a:schemeClr>
-    </dgm:fillClrLst>
-    <dgm:linClrLst meth="repeat">
-      <a:schemeClr val="accent1"/>
-    </dgm:linClrLst>
-    <dgm:effectClrLst/>
-    <dgm:txLinClrLst/>
-    <dgm:txFillClrLst meth="repeat">
-      <a:schemeClr val="dk1"/>
-    </dgm:txFillClrLst>
-    <dgm:txEffectClrLst/>
-  </dgm:styleLbl>
-  <dgm:styleLbl name="conFgAcc1">
-    <dgm:fillClrLst meth="repeat">
-      <a:schemeClr val="lt1">
-        <a:alpha val="90000"/>
-      </a:schemeClr>
-    </dgm:fillClrLst>
-    <dgm:linClrLst meth="repeat">
-      <a:schemeClr val="accent1"/>
-    </dgm:linClrLst>
-    <dgm:effectClrLst/>
-    <dgm:txLinClrLst/>
-    <dgm:txFillClrLst meth="repeat">
-      <a:schemeClr val="dk1"/>
-    </dgm:txFillClrLst>
-    <dgm:txEffectClrLst/>
-  </dgm:styleLbl>
-  <dgm:styleLbl name="alignAcc1">
-    <dgm:fillClrLst meth="repeat">
-      <a:schemeClr val="lt1">
-        <a:alpha val="90000"/>
-      </a:schemeClr>
-    </dgm:fillClrLst>
-    <dgm:linClrLst meth="repeat">
-      <a:schemeClr val="accent1"/>
-    </dgm:linClrLst>
-    <dgm:effectClrLst/>
-    <dgm:txLinClrLst/>
-    <dgm:txFillClrLst meth="repeat">
-      <a:schemeClr val="dk1"/>
-    </dgm:txFillClrLst>
-    <dgm:txEffectClrLst/>
-  </dgm:styleLbl>
-  <dgm:styleLbl name="trAlignAcc1">
-    <dgm:fillClrLst meth="repeat">
-      <a:schemeClr val="lt1">
-        <a:alpha val="40000"/>
-      </a:schemeClr>
-    </dgm:fillClrLst>
-    <dgm:linClrLst meth="repeat">
-      <a:schemeClr val="accent1"/>
-    </dgm:linClrLst>
-    <dgm:effectClrLst/>
-    <dgm:txLinClrLst/>
-    <dgm:txFillClrLst meth="repeat">
-      <a:schemeClr val="dk1"/>
-    </dgm:txFillClrLst>
-    <dgm:txEffectClrLst/>
-  </dgm:styleLbl>
-  <dgm:styleLbl name="bgAcc1">
-    <dgm:fillClrLst meth="repeat">
-      <a:schemeClr val="lt1">
-        <a:alpha val="90000"/>
-      </a:schemeClr>
-    </dgm:fillClrLst>
-    <dgm:linClrLst meth="repeat">
-      <a:schemeClr val="accent1"/>
-    </dgm:linClrLst>
-    <dgm:effectClrLst/>
-    <dgm:txLinClrLst/>
-    <dgm:txFillClrLst meth="repeat">
-      <a:schemeClr val="dk1"/>
-    </dgm:txFillClrLst>
-    <dgm:txEffectClrLst/>
-  </dgm:styleLbl>
-  <dgm:styleLbl name="solidFgAcc1">
-    <dgm:fillClrLst meth="repeat">
-      <a:schemeClr val="lt1"/>
-    </dgm:fillClrLst>
-    <dgm:linClrLst meth="repeat">
-      <a:schemeClr val="accent1"/>
-    </dgm:linClrLst>
-    <dgm:effectClrLst/>
-    <dgm:txLinClrLst/>
-    <dgm:txFillClrLst meth="repeat">
-      <a:schemeClr val="dk1"/>
-    </dgm:txFillClrLst>
-    <dgm:txEffectClrLst/>
-  </dgm:styleLbl>
-  <dgm:styleLbl name="solidAlignAcc1">
-    <dgm:fillClrLst meth="repeat">
-      <a:schemeClr val="lt1"/>
-    </dgm:fillClrLst>
-    <dgm:linClrLst meth="repeat">
-      <a:schemeClr val="accent1"/>
-    </dgm:linClrLst>
-    <dgm:effectClrLst/>
-    <dgm:txLinClrLst/>
-    <dgm:txFillClrLst meth="repeat">
-      <a:schemeClr val="dk1"/>
-    </dgm:txFillClrLst>
-    <dgm:txEffectClrLst/>
-  </dgm:styleLbl>
-  <dgm:styleLbl name="solidBgAcc1">
-    <dgm:fillClrLst meth="repeat">
-      <a:schemeClr val="lt1"/>
-    </dgm:fillClrLst>
-    <dgm:linClrLst meth="repeat">
-      <a:schemeClr val="accent1"/>
-    </dgm:linClrLst>
-    <dgm:effectClrLst/>
-    <dgm:txLinClrLst/>
-    <dgm:txFillClrLst meth="repeat">
-      <a:schemeClr val="dk1"/>
-    </dgm:txFillClrLst>
-    <dgm:txEffectClrLst/>
-  </dgm:styleLbl>
-  <dgm:styleLbl name="fgAccFollowNode1">
-    <dgm:fillClrLst meth="repeat">
-      <a:schemeClr val="accent1">
-        <a:alpha val="90000"/>
-        <a:tint val="40000"/>
-      </a:schemeClr>
-    </dgm:fillClrLst>
-    <dgm:linClrLst meth="repeat">
-      <a:schemeClr val="accent1">
-        <a:alpha val="90000"/>
-        <a:tint val="40000"/>
-      </a:schemeClr>
-    </dgm:linClrLst>
-    <dgm:effectClrLst/>
-    <dgm:txLinClrLst/>
-    <dgm:txFillClrLst meth="repeat">
-      <a:schemeClr val="dk1"/>
-    </dgm:txFillClrLst>
-    <dgm:txEffectClrLst/>
-  </dgm:styleLbl>
-  <dgm:styleLbl name="alignAccFollowNode1">
-    <dgm:fillClrLst meth="repeat">
-      <a:schemeClr val="accent1">
-        <a:alpha val="90000"/>
-        <a:tint val="40000"/>
-      </a:schemeClr>
-    </dgm:fillClrLst>
-    <dgm:linClrLst meth="repeat">
-      <a:schemeClr val="accent1">
-        <a:alpha val="90000"/>
-        <a:tint val="40000"/>
-      </a:schemeClr>
-    </dgm:linClrLst>
-    <dgm:effectClrLst/>
-    <dgm:txLinClrLst/>
-    <dgm:txFillClrLst meth="repeat">
-      <a:schemeClr val="dk1"/>
-    </dgm:txFillClrLst>
-    <dgm:txEffectClrLst/>
-  </dgm:styleLbl>
-  <dgm:styleLbl name="bgAccFollowNode1">
-    <dgm:fillClrLst meth="repeat">
-      <a:schemeClr val="accent1">
-        <a:alpha val="90000"/>
-        <a:tint val="40000"/>
-      </a:schemeClr>
-    </dgm:fillClrLst>
-    <dgm:linClrLst meth="repeat">
-      <a:schemeClr val="accent1">
-        <a:alpha val="90000"/>
-        <a:tint val="40000"/>
-      </a:schemeClr>
-    </dgm:linClrLst>
-    <dgm:effectClrLst/>
-    <dgm:txLinClrLst/>
-    <dgm:txFillClrLst meth="repeat">
-      <a:schemeClr val="dk1"/>
-    </dgm:txFillClrLst>
-    <dgm:txEffectClrLst/>
-  </dgm:styleLbl>
-  <dgm:styleLbl name="fgAcc0">
-    <dgm:fillClrLst meth="repeat">
-      <a:schemeClr val="lt1">
-        <a:alpha val="90000"/>
-      </a:schemeClr>
-    </dgm:fillClrLst>
-    <dgm:linClrLst meth="repeat">
-      <a:schemeClr val="accent1"/>
-    </dgm:linClrLst>
-    <dgm:effectClrLst/>
-    <dgm:txLinClrLst/>
-    <dgm:txFillClrLst meth="repeat">
-      <a:schemeClr val="dk1"/>
-    </dgm:txFillClrLst>
-    <dgm:txEffectClrLst/>
-  </dgm:styleLbl>
-  <dgm:styleLbl name="fgAcc2">
-    <dgm:fillClrLst meth="repeat">
-      <a:schemeClr val="lt1">
-        <a:alpha val="90000"/>
-      </a:schemeClr>
-    </dgm:fillClrLst>
-    <dgm:linClrLst meth="repeat">
-      <a:schemeClr val="accent1"/>
-    </dgm:linClrLst>
-    <dgm:effectClrLst/>
-    <dgm:txLinClrLst/>
-    <dgm:txFillClrLst meth="repeat">
-      <a:schemeClr val="dk1"/>
-    </dgm:txFillClrLst>
-    <dgm:txEffectClrLst/>
-  </dgm:styleLbl>
-  <dgm:styleLbl name="fgAcc3">
-    <dgm:fillClrLst meth="repeat">
-      <a:schemeClr val="lt1">
-        <a:alpha val="90000"/>
-      </a:schemeClr>
-    </dgm:fillClrLst>
-    <dgm:linClrLst meth="repeat">
-      <a:schemeClr val="accent1"/>
-    </dgm:linClrLst>
-    <dgm:effectClrLst/>
-    <dgm:txLinClrLst/>
-    <dgm:txFillClrLst meth="repeat">
-      <a:schemeClr val="dk1"/>
-    </dgm:txFillClrLst>
-    <dgm:txEffectClrLst/>
-  </dgm:styleLbl>
-  <dgm:styleLbl name="fgAcc4">
-    <dgm:fillClrLst meth="repeat">
-      <a:schemeClr val="lt1">
-        <a:alpha val="90000"/>
-      </a:schemeClr>
-    </dgm:fillClrLst>
-    <dgm:linClrLst meth="repeat">
-      <a:schemeClr val="accent1"/>
-    </dgm:linClrLst>
-    <dgm:effectClrLst/>
-    <dgm:txLinClrLst/>
-    <dgm:txFillClrLst meth="repeat">
-      <a:schemeClr val="dk1"/>
-    </dgm:txFillClrLst>
-    <dgm:txEffectClrLst/>
-  </dgm:styleLbl>
-  <dgm:styleLbl name="bgShp">
-    <dgm:fillClrLst meth="repeat">
-      <a:schemeClr val="accent1">
-        <a:tint val="40000"/>
-      </a:schemeClr>
-    </dgm:fillClrLst>
-    <dgm:linClrLst meth="repeat">
-      <a:schemeClr val="accent1"/>
-    </dgm:linClrLst>
-    <dgm:effectClrLst/>
-    <dgm:txLinClrLst/>
-    <dgm:txFillClrLst meth="repeat">
-      <a:schemeClr val="dk1"/>
-    </dgm:txFillClrLst>
-    <dgm:txEffectClrLst/>
-  </dgm:styleLbl>
-  <dgm:styleLbl name="dkBgShp">
-    <dgm:fillClrLst meth="repeat">
-      <a:schemeClr val="accent1">
-        <a:shade val="80000"/>
-      </a:schemeClr>
-    </dgm:fillClrLst>
-    <dgm:linClrLst meth="repeat">
-      <a:schemeClr val="accent1"/>
-    </dgm:linClrLst>
-    <dgm:effectClrLst/>
-    <dgm:txLinClrLst/>
-    <dgm:txFillClrLst meth="repeat">
-      <a:schemeClr val="lt1"/>
-    </dgm:txFillClrLst>
-    <dgm:txEffectClrLst/>
-  </dgm:styleLbl>
-  <dgm:styleLbl name="trBgShp">
-    <dgm:fillClrLst meth="repeat">
-      <a:schemeClr val="accent1">
-        <a:tint val="50000"/>
-        <a:alpha val="40000"/>
-      </a:schemeClr>
-    </dgm:fillClrLst>
-    <dgm:linClrLst meth="repeat">
-      <a:schemeClr val="accent1"/>
-    </dgm:linClrLst>
-    <dgm:effectClrLst/>
-    <dgm:txLinClrLst/>
-    <dgm:txFillClrLst meth="repeat">
-      <a:schemeClr val="lt1"/>
-    </dgm:txFillClrLst>
-    <dgm:txEffectClrLst/>
-  </dgm:styleLbl>
-  <dgm:styleLbl name="fgShp">
-    <dgm:fillClrLst meth="repeat">
-      <a:schemeClr val="accent1">
-        <a:tint val="60000"/>
-      </a:schemeClr>
-    </dgm:fillClrLst>
-    <dgm:linClrLst meth="repeat">
-      <a:schemeClr val="lt1"/>
-    </dgm:linClrLst>
-    <dgm:effectClrLst/>
-    <dgm:txLinClrLst/>
-    <dgm:txFillClrLst meth="repeat">
-      <a:schemeClr val="dk1"/>
-    </dgm:txFillClrLst>
-    <dgm:txEffectClrLst/>
-  </dgm:styleLbl>
-  <dgm:styleLbl name="revTx">
-    <dgm:fillClrLst meth="repeat">
-      <a:schemeClr val="lt1">
-        <a:alpha val="0"/>
-      </a:schemeClr>
-    </dgm:fillClrLst>
-    <dgm:linClrLst meth="repeat">
-      <a:schemeClr val="dk1">
-        <a:alpha val="0"/>
-      </a:schemeClr>
-    </dgm:linClrLst>
-    <dgm:effectClrLst/>
-    <dgm:txLinClrLst/>
-    <dgm:txFillClrLst meth="repeat">
-      <a:schemeClr val="tx1"/>
-    </dgm:txFillClrLst>
-    <dgm:txEffectClrLst/>
-  </dgm:styleLbl>
-</dgm:colorsDef>
-</file>
-
-<file path=ppt/diagrams/data1.xml><?xml version="1.0" encoding="utf-8"?>
-<dgm:dataModel xmlns:dgm="http://schemas.openxmlformats.org/drawingml/2006/diagram" xmlns:a="http://schemas.openxmlformats.org/drawingml/2006/main">
-  <dgm:ptLst>
-    <dgm:pt modelId="{E1DEFB61-6D4F-894B-928E-8CA2CBF2A5C4}" type="doc">
-      <dgm:prSet loTypeId="urn:microsoft.com/office/officeart/2009/3/layout/FramedTextPicture" loCatId="" qsTypeId="urn:microsoft.com/office/officeart/2005/8/quickstyle/simple3" qsCatId="simple" csTypeId="urn:microsoft.com/office/officeart/2005/8/colors/accent1_2" csCatId="accent1" phldr="1"/>
-      <dgm:spPr/>
-      <dgm:t>
-        <a:bodyPr/>
-        <a:lstStyle/>
-        <a:p>
-          <a:endParaRPr lang="en-US"/>
-        </a:p>
-      </dgm:t>
-    </dgm:pt>
-    <dgm:pt modelId="{FCAA8D2B-E0F3-0049-9ECE-A65198A2DA2D}">
-      <dgm:prSet phldrT="[Text]" custT="1"/>
-      <dgm:spPr/>
-      <dgm:t>
-        <a:bodyPr/>
-        <a:lstStyle/>
-        <a:p>
-          <a:r>
-            <a:rPr lang="en-US" sz="800" dirty="0"/>
-            <a:t>55</a:t>
-          </a:r>
-        </a:p>
-      </dgm:t>
-    </dgm:pt>
-    <dgm:pt modelId="{F6AC923D-EFA1-D74F-98FE-39B8D5B549E3}" type="sibTrans" cxnId="{5CBCDA12-A4A0-BB48-A77D-93D81A0A0304}">
-      <dgm:prSet/>
-      <dgm:spPr/>
-      <dgm:t>
-        <a:bodyPr/>
-        <a:lstStyle/>
-        <a:p>
-          <a:endParaRPr lang="en-US"/>
-        </a:p>
-      </dgm:t>
-    </dgm:pt>
-    <dgm:pt modelId="{398C3A9A-66C1-5247-A62B-80C5481DAB78}" type="parTrans" cxnId="{5CBCDA12-A4A0-BB48-A77D-93D81A0A0304}">
-      <dgm:prSet/>
-      <dgm:spPr/>
-      <dgm:t>
-        <a:bodyPr/>
-        <a:lstStyle/>
-        <a:p>
-          <a:endParaRPr lang="en-US"/>
-        </a:p>
-      </dgm:t>
-    </dgm:pt>
-    <dgm:pt modelId="{11233428-483F-8948-8020-171D72B2B6F5}" type="pres">
-      <dgm:prSet presAssocID="{E1DEFB61-6D4F-894B-928E-8CA2CBF2A5C4}" presName="Name0" presStyleCnt="0">
-        <dgm:presLayoutVars>
-          <dgm:chMax/>
-          <dgm:chPref/>
-          <dgm:dir/>
-        </dgm:presLayoutVars>
-      </dgm:prSet>
-      <dgm:spPr/>
-    </dgm:pt>
-    <dgm:pt modelId="{AB1E8570-7617-8B4E-AF05-3241B48312F8}" type="pres">
-      <dgm:prSet presAssocID="{FCAA8D2B-E0F3-0049-9ECE-A65198A2DA2D}" presName="composite" presStyleCnt="0">
-        <dgm:presLayoutVars>
-          <dgm:chMax/>
-          <dgm:chPref/>
-        </dgm:presLayoutVars>
-      </dgm:prSet>
-      <dgm:spPr/>
-    </dgm:pt>
-    <dgm:pt modelId="{A2680E17-E94B-0B43-A548-7BDCB21CD1D2}" type="pres">
-      <dgm:prSet presAssocID="{FCAA8D2B-E0F3-0049-9ECE-A65198A2DA2D}" presName="Image" presStyleLbl="bgImgPlace1" presStyleIdx="0" presStyleCnt="1" custScaleX="402364" custScaleY="504415" custLinFactX="-200000" custLinFactNeighborX="-206837" custLinFactNeighborY="-89692"/>
-      <dgm:spPr>
-        <a:blipFill>
-          <a:blip xmlns:r="http://schemas.openxmlformats.org/officeDocument/2006/relationships" r:embed="rId1">
-            <a:extLst>
-              <a:ext uri="{28A0092B-C50C-407E-A947-70E740481C1C}">
-                <a14:useLocalDpi xmlns:a14="http://schemas.microsoft.com/office/drawing/2010/main" val="0"/>
-              </a:ext>
-            </a:extLst>
-          </a:blip>
-          <a:srcRect/>
-          <a:stretch>
-            <a:fillRect l="-10000" r="-10000"/>
-          </a:stretch>
-        </a:blipFill>
-      </dgm:spPr>
-    </dgm:pt>
-    <dgm:pt modelId="{82CE31BA-C3C7-7849-BD2F-A3444CBA67C2}" type="pres">
-      <dgm:prSet presAssocID="{FCAA8D2B-E0F3-0049-9ECE-A65198A2DA2D}" presName="ParentText" presStyleLbl="revTx" presStyleIdx="0" presStyleCnt="1">
-        <dgm:presLayoutVars>
-          <dgm:chMax val="0"/>
-          <dgm:chPref val="0"/>
-          <dgm:bulletEnabled val="1"/>
-        </dgm:presLayoutVars>
-      </dgm:prSet>
-      <dgm:spPr/>
-    </dgm:pt>
-    <dgm:pt modelId="{204A7263-FC6B-DB4B-9501-BE2E5474F2EB}" type="pres">
-      <dgm:prSet presAssocID="{FCAA8D2B-E0F3-0049-9ECE-A65198A2DA2D}" presName="tlFrame" presStyleLbl="node1" presStyleIdx="0" presStyleCnt="4" custScaleX="130249" custScaleY="129292" custLinFactX="-172277" custLinFactY="-146848" custLinFactNeighborX="-200000" custLinFactNeighborY="-200000"/>
-      <dgm:spPr>
-        <a:noFill/>
-      </dgm:spPr>
-    </dgm:pt>
-    <dgm:pt modelId="{2CB1A400-C65A-994B-B30A-2C8B996ADDDA}" type="pres">
-      <dgm:prSet presAssocID="{FCAA8D2B-E0F3-0049-9ECE-A65198A2DA2D}" presName="trFrame" presStyleLbl="node1" presStyleIdx="1" presStyleCnt="4" custScaleX="79830" custScaleY="109308" custLinFactY="-174113" custLinFactNeighborX="6832" custLinFactNeighborY="-200000"/>
-      <dgm:spPr>
-        <a:noFill/>
-      </dgm:spPr>
-    </dgm:pt>
-    <dgm:pt modelId="{943AEB47-AD93-7A49-95D0-B25D0BCB3130}" type="pres">
-      <dgm:prSet presAssocID="{FCAA8D2B-E0F3-0049-9ECE-A65198A2DA2D}" presName="blFrame" presStyleLbl="node1" presStyleIdx="2" presStyleCnt="4" custLinFactX="-172277" custLinFactNeighborX="-200000" custLinFactNeighborY="-9414"/>
-      <dgm:spPr>
-        <a:noFill/>
-      </dgm:spPr>
-    </dgm:pt>
-    <dgm:pt modelId="{0C545928-CBA2-FD4A-BDE0-5055C3785812}" type="pres">
-      <dgm:prSet presAssocID="{FCAA8D2B-E0F3-0049-9ECE-A65198A2DA2D}" presName="brFrame" presStyleLbl="node1" presStyleIdx="3" presStyleCnt="4"/>
-      <dgm:spPr>
-        <a:noFill/>
-      </dgm:spPr>
-    </dgm:pt>
-  </dgm:ptLst>
-  <dgm:cxnLst>
-    <dgm:cxn modelId="{5CBCDA12-A4A0-BB48-A77D-93D81A0A0304}" srcId="{E1DEFB61-6D4F-894B-928E-8CA2CBF2A5C4}" destId="{FCAA8D2B-E0F3-0049-9ECE-A65198A2DA2D}" srcOrd="0" destOrd="0" parTransId="{398C3A9A-66C1-5247-A62B-80C5481DAB78}" sibTransId="{F6AC923D-EFA1-D74F-98FE-39B8D5B549E3}"/>
-    <dgm:cxn modelId="{B6E2713B-C6EC-EF4E-8434-305C4E1CCEC7}" type="presOf" srcId="{FCAA8D2B-E0F3-0049-9ECE-A65198A2DA2D}" destId="{82CE31BA-C3C7-7849-BD2F-A3444CBA67C2}" srcOrd="0" destOrd="0" presId="urn:microsoft.com/office/officeart/2009/3/layout/FramedTextPicture"/>
-    <dgm:cxn modelId="{EAD19141-A637-2445-BFA1-3BD810490358}" type="presOf" srcId="{E1DEFB61-6D4F-894B-928E-8CA2CBF2A5C4}" destId="{11233428-483F-8948-8020-171D72B2B6F5}" srcOrd="0" destOrd="0" presId="urn:microsoft.com/office/officeart/2009/3/layout/FramedTextPicture"/>
-    <dgm:cxn modelId="{34480F65-8AEF-C74E-B178-DD18527A503F}" type="presParOf" srcId="{11233428-483F-8948-8020-171D72B2B6F5}" destId="{AB1E8570-7617-8B4E-AF05-3241B48312F8}" srcOrd="0" destOrd="0" presId="urn:microsoft.com/office/officeart/2009/3/layout/FramedTextPicture"/>
-    <dgm:cxn modelId="{818FA601-3666-2D48-830C-800DD46710A1}" type="presParOf" srcId="{AB1E8570-7617-8B4E-AF05-3241B48312F8}" destId="{A2680E17-E94B-0B43-A548-7BDCB21CD1D2}" srcOrd="0" destOrd="0" presId="urn:microsoft.com/office/officeart/2009/3/layout/FramedTextPicture"/>
-    <dgm:cxn modelId="{952CD538-60BC-7641-AD32-6B937E900469}" type="presParOf" srcId="{AB1E8570-7617-8B4E-AF05-3241B48312F8}" destId="{82CE31BA-C3C7-7849-BD2F-A3444CBA67C2}" srcOrd="1" destOrd="0" presId="urn:microsoft.com/office/officeart/2009/3/layout/FramedTextPicture"/>
-    <dgm:cxn modelId="{2ECFF815-754D-214D-86D6-785FBD717320}" type="presParOf" srcId="{AB1E8570-7617-8B4E-AF05-3241B48312F8}" destId="{204A7263-FC6B-DB4B-9501-BE2E5474F2EB}" srcOrd="2" destOrd="0" presId="urn:microsoft.com/office/officeart/2009/3/layout/FramedTextPicture"/>
-    <dgm:cxn modelId="{51718116-C9AC-BC42-8DAB-2DBAA2013D13}" type="presParOf" srcId="{AB1E8570-7617-8B4E-AF05-3241B48312F8}" destId="{2CB1A400-C65A-994B-B30A-2C8B996ADDDA}" srcOrd="3" destOrd="0" presId="urn:microsoft.com/office/officeart/2009/3/layout/FramedTextPicture"/>
-    <dgm:cxn modelId="{1B0AE0C0-95BA-F244-A86A-F953E98A7A68}" type="presParOf" srcId="{AB1E8570-7617-8B4E-AF05-3241B48312F8}" destId="{943AEB47-AD93-7A49-95D0-B25D0BCB3130}" srcOrd="4" destOrd="0" presId="urn:microsoft.com/office/officeart/2009/3/layout/FramedTextPicture"/>
-    <dgm:cxn modelId="{0FE95ADC-2158-9D4D-9C66-7BE8A8AF7C58}" type="presParOf" srcId="{AB1E8570-7617-8B4E-AF05-3241B48312F8}" destId="{0C545928-CBA2-FD4A-BDE0-5055C3785812}" srcOrd="5" destOrd="0" presId="urn:microsoft.com/office/officeart/2009/3/layout/FramedTextPicture"/>
-  </dgm:cxnLst>
-  <dgm:bg/>
-  <dgm:whole/>
-  <dgm:extLst>
-    <a:ext uri="http://schemas.microsoft.com/office/drawing/2008/diagram">
-      <dsp:dataModelExt xmlns:dsp="http://schemas.microsoft.com/office/drawing/2008/diagram" relId="rId9" minVer="http://schemas.openxmlformats.org/drawingml/2006/diagram"/>
-    </a:ext>
-  </dgm:extLst>
-</dgm:dataModel>
-</file>
-
-<file path=ppt/diagrams/drawing1.xml><?xml version="1.0" encoding="utf-8"?>
-<dsp:drawing xmlns:dgm="http://schemas.openxmlformats.org/drawingml/2006/diagram" xmlns:dsp="http://schemas.microsoft.com/office/drawing/2008/diagram" xmlns:a="http://schemas.openxmlformats.org/drawingml/2006/main">
-  <dsp:spTree>
-    <dsp:nvGrpSpPr>
-      <dsp:cNvPr id="0" name=""/>
-      <dsp:cNvGrpSpPr/>
-    </dsp:nvGrpSpPr>
-    <dsp:grpSpPr/>
-    <dsp:sp modelId="{A2680E17-E94B-0B43-A548-7BDCB21CD1D2}">
-      <dsp:nvSpPr>
-        <dsp:cNvPr id="0" name=""/>
-        <dsp:cNvSpPr/>
-      </dsp:nvSpPr>
-      <dsp:spPr>
-        <a:xfrm>
-          <a:off x="0" y="0"/>
-          <a:ext cx="8635823" cy="7217382"/>
-        </a:xfrm>
-        <a:prstGeom prst="rect">
-          <a:avLst/>
-        </a:prstGeom>
-        <a:blipFill>
-          <a:blip xmlns:r="http://schemas.openxmlformats.org/officeDocument/2006/relationships" r:embed="rId1">
-            <a:extLst>
-              <a:ext uri="{28A0092B-C50C-407E-A947-70E740481C1C}">
-                <a14:useLocalDpi xmlns:a14="http://schemas.microsoft.com/office/drawing/2010/main" val="0"/>
-              </a:ext>
-            </a:extLst>
-          </a:blip>
-          <a:srcRect/>
-          <a:stretch>
-            <a:fillRect l="-10000" r="-10000"/>
-          </a:stretch>
-        </a:blipFill>
-        <a:ln w="6350" cap="flat" cmpd="sng" algn="ctr">
-          <a:solidFill>
-            <a:schemeClr val="lt1">
-              <a:hueOff val="0"/>
-              <a:satOff val="0"/>
-              <a:lumOff val="0"/>
-              <a:alphaOff val="0"/>
-            </a:schemeClr>
-          </a:solidFill>
-          <a:prstDash val="solid"/>
-          <a:miter lim="800000"/>
-        </a:ln>
-        <a:effectLst/>
-      </dsp:spPr>
-      <dsp:style>
-        <a:lnRef idx="1">
-          <a:scrgbClr r="0" g="0" b="0"/>
-        </a:lnRef>
-        <a:fillRef idx="1">
-          <a:scrgbClr r="0" g="0" b="0"/>
-        </a:fillRef>
-        <a:effectRef idx="1">
-          <a:scrgbClr r="0" g="0" b="0"/>
-        </a:effectRef>
-        <a:fontRef idx="minor"/>
-      </dsp:style>
-    </dsp:sp>
-    <dsp:sp modelId="{82CE31BA-C3C7-7849-BD2F-A3444CBA67C2}">
-      <dsp:nvSpPr>
-        <dsp:cNvPr id="0" name=""/>
-        <dsp:cNvSpPr/>
-      </dsp:nvSpPr>
-      <dsp:spPr>
-        <a:xfrm>
-          <a:off x="5486732" y="4449152"/>
-          <a:ext cx="3040736" cy="1878209"/>
-        </a:xfrm>
-        <a:prstGeom prst="rect">
-          <a:avLst/>
-        </a:prstGeom>
-        <a:noFill/>
-        <a:ln>
-          <a:noFill/>
-        </a:ln>
-        <a:effectLst/>
-      </dsp:spPr>
-      <dsp:style>
-        <a:lnRef idx="0">
-          <a:scrgbClr r="0" g="0" b="0"/>
-        </a:lnRef>
-        <a:fillRef idx="0">
-          <a:scrgbClr r="0" g="0" b="0"/>
-        </a:fillRef>
-        <a:effectRef idx="0">
-          <a:scrgbClr r="0" g="0" b="0"/>
-        </a:effectRef>
-        <a:fontRef idx="minor"/>
-      </dsp:style>
-      <dsp:txBody>
-        <a:bodyPr spcFirstLastPara="0" vert="horz" wrap="square" lIns="30480" tIns="30480" rIns="30480" bIns="30480" numCol="1" spcCol="1270" anchor="ctr" anchorCtr="0">
-          <a:noAutofit/>
-        </a:bodyPr>
-        <a:lstStyle/>
-        <a:p>
-          <a:pPr marL="0" lvl="0" indent="0" algn="ctr" defTabSz="355600">
-            <a:lnSpc>
-              <a:spcPct val="90000"/>
-            </a:lnSpc>
-            <a:spcBef>
-              <a:spcPct val="0"/>
-            </a:spcBef>
-            <a:spcAft>
-              <a:spcPct val="35000"/>
-            </a:spcAft>
-            <a:buNone/>
-          </a:pPr>
-          <a:r>
-            <a:rPr lang="en-US" sz="800" kern="1200" dirty="0"/>
-            <a:t>55</a:t>
-          </a:r>
-        </a:p>
-      </dsp:txBody>
-      <dsp:txXfrm>
-        <a:off x="5486732" y="4449152"/>
-        <a:ext cx="3040736" cy="1878209"/>
-      </dsp:txXfrm>
-    </dsp:sp>
-    <dsp:sp modelId="{204A7263-FC6B-DB4B-9501-BE2E5474F2EB}">
-      <dsp:nvSpPr>
-        <dsp:cNvPr id="0" name=""/>
-        <dsp:cNvSpPr/>
-      </dsp:nvSpPr>
-      <dsp:spPr>
-        <a:xfrm>
-          <a:off x="2389384" y="1540545"/>
-          <a:ext cx="951164" cy="944420"/>
-        </a:xfrm>
-        <a:prstGeom prst="halfFrame">
-          <a:avLst>
-            <a:gd name="adj1" fmla="val 25770"/>
-            <a:gd name="adj2" fmla="val 25770"/>
-          </a:avLst>
-        </a:prstGeom>
-        <a:noFill/>
-        <a:ln>
-          <a:noFill/>
-        </a:ln>
-        <a:effectLst/>
-        <a:scene3d>
-          <a:camera prst="orthographicFront"/>
-          <a:lightRig rig="flat" dir="t"/>
-        </a:scene3d>
-        <a:sp3d prstMaterial="dkEdge">
-          <a:bevelT w="8200" h="38100"/>
-        </a:sp3d>
-      </dsp:spPr>
-      <dsp:style>
-        <a:lnRef idx="0">
-          <a:scrgbClr r="0" g="0" b="0"/>
-        </a:lnRef>
-        <a:fillRef idx="2">
-          <a:scrgbClr r="0" g="0" b="0"/>
-        </a:fillRef>
-        <a:effectRef idx="1">
-          <a:scrgbClr r="0" g="0" b="0"/>
-        </a:effectRef>
-        <a:fontRef idx="minor">
-          <a:schemeClr val="dk1"/>
-        </a:fontRef>
-      </dsp:style>
-    </dsp:sp>
-    <dsp:sp modelId="{2CB1A400-C65A-994B-B30A-2C8B996ADDDA}">
-      <dsp:nvSpPr>
-        <dsp:cNvPr id="0" name=""/>
-        <dsp:cNvSpPr/>
-      </dsp:nvSpPr>
-      <dsp:spPr>
-        <a:xfrm rot="5400000">
-          <a:off x="8102439" y="1522111"/>
-          <a:ext cx="798446" cy="582971"/>
-        </a:xfrm>
-        <a:prstGeom prst="halfFrame">
-          <a:avLst>
-            <a:gd name="adj1" fmla="val 25770"/>
-            <a:gd name="adj2" fmla="val 25770"/>
-          </a:avLst>
-        </a:prstGeom>
-        <a:noFill/>
-        <a:ln>
-          <a:noFill/>
-        </a:ln>
-        <a:effectLst/>
-        <a:scene3d>
-          <a:camera prst="orthographicFront"/>
-          <a:lightRig rig="flat" dir="t"/>
-        </a:scene3d>
-        <a:sp3d prstMaterial="dkEdge">
-          <a:bevelT w="8200" h="38100"/>
-        </a:sp3d>
-      </dsp:spPr>
-      <dsp:style>
-        <a:lnRef idx="0">
-          <a:scrgbClr r="0" g="0" b="0"/>
-        </a:lnRef>
-        <a:fillRef idx="2">
-          <a:scrgbClr r="0" g="0" b="0"/>
-        </a:fillRef>
-        <a:effectRef idx="1">
-          <a:scrgbClr r="0" g="0" b="0"/>
-        </a:effectRef>
-        <a:fontRef idx="minor">
-          <a:schemeClr val="dk1"/>
-        </a:fontRef>
-      </dsp:style>
-    </dsp:sp>
-    <dsp:sp modelId="{943AEB47-AD93-7A49-95D0-B25D0BCB3130}">
-      <dsp:nvSpPr>
-        <dsp:cNvPr id="0" name=""/>
-        <dsp:cNvSpPr/>
-      </dsp:nvSpPr>
-      <dsp:spPr>
-        <a:xfrm rot="16200000">
-          <a:off x="2499739" y="5796656"/>
-          <a:ext cx="730455" cy="730266"/>
-        </a:xfrm>
-        <a:prstGeom prst="halfFrame">
-          <a:avLst>
-            <a:gd name="adj1" fmla="val 25770"/>
-            <a:gd name="adj2" fmla="val 25770"/>
-          </a:avLst>
-        </a:prstGeom>
-        <a:noFill/>
-        <a:ln>
-          <a:noFill/>
-        </a:ln>
-        <a:effectLst/>
-        <a:scene3d>
-          <a:camera prst="orthographicFront"/>
-          <a:lightRig rig="flat" dir="t"/>
-        </a:scene3d>
-        <a:sp3d prstMaterial="dkEdge">
-          <a:bevelT w="8200" h="38100"/>
-        </a:sp3d>
-      </dsp:spPr>
-      <dsp:style>
-        <a:lnRef idx="0">
-          <a:scrgbClr r="0" g="0" b="0"/>
-        </a:lnRef>
-        <a:fillRef idx="2">
-          <a:scrgbClr r="0" g="0" b="0"/>
-        </a:fillRef>
-        <a:effectRef idx="1">
-          <a:scrgbClr r="0" g="0" b="0"/>
-        </a:effectRef>
-        <a:fontRef idx="minor">
-          <a:schemeClr val="dk1"/>
-        </a:fontRef>
-      </dsp:style>
-    </dsp:sp>
-    <dsp:sp modelId="{0C545928-CBA2-FD4A-BDE0-5055C3785812}">
-      <dsp:nvSpPr>
-        <dsp:cNvPr id="0" name=""/>
-        <dsp:cNvSpPr/>
-      </dsp:nvSpPr>
-      <dsp:spPr>
-        <a:xfrm rot="10800000">
-          <a:off x="8086637" y="5865326"/>
-          <a:ext cx="730266" cy="730455"/>
-        </a:xfrm>
-        <a:prstGeom prst="halfFrame">
-          <a:avLst>
-            <a:gd name="adj1" fmla="val 25770"/>
-            <a:gd name="adj2" fmla="val 25770"/>
-          </a:avLst>
-        </a:prstGeom>
-        <a:noFill/>
-        <a:ln>
-          <a:noFill/>
-        </a:ln>
-        <a:effectLst/>
-        <a:scene3d>
-          <a:camera prst="orthographicFront"/>
-          <a:lightRig rig="flat" dir="t"/>
-        </a:scene3d>
-        <a:sp3d prstMaterial="dkEdge">
-          <a:bevelT w="8200" h="38100"/>
-        </a:sp3d>
-      </dsp:spPr>
-      <dsp:style>
-        <a:lnRef idx="0">
-          <a:scrgbClr r="0" g="0" b="0"/>
-        </a:lnRef>
-        <a:fillRef idx="2">
-          <a:scrgbClr r="0" g="0" b="0"/>
-        </a:fillRef>
-        <a:effectRef idx="1">
-          <a:scrgbClr r="0" g="0" b="0"/>
-        </a:effectRef>
-        <a:fontRef idx="minor">
-          <a:schemeClr val="dk1"/>
-        </a:fontRef>
-      </dsp:style>
-    </dsp:sp>
-  </dsp:spTree>
-</dsp:drawing>
-</file>
-
-<file path=ppt/diagrams/layout1.xml><?xml version="1.0" encoding="utf-8"?>
-<dgm:layoutDef xmlns:dgm="http://schemas.openxmlformats.org/drawingml/2006/diagram" xmlns:a="http://schemas.openxmlformats.org/drawingml/2006/main" uniqueId="urn:microsoft.com/office/officeart/2009/3/layout/FramedTextPicture">
-  <dgm:title val=""/>
-  <dgm:desc val=""/>
-  <dgm:catLst>
-    <dgm:cat type="picture" pri="20000"/>
-    <dgm:cat type="pictureconvert" pri="20000"/>
-  </dgm:catLst>
-  <dgm:sampData>
-    <dgm:dataModel>
-      <dgm:ptLst>
-        <dgm:pt modelId="0" type="doc"/>
-        <dgm:pt modelId="10">
-          <dgm:prSet phldr="1"/>
-        </dgm:pt>
-      </dgm:ptLst>
-      <dgm:cxnLst>
-        <dgm:cxn modelId="20" srcId="0" destId="10" srcOrd="0" destOrd="0"/>
-      </dgm:cxnLst>
-      <dgm:bg/>
-      <dgm:whole/>
-    </dgm:dataModel>
-  </dgm:sampData>
-  <dgm:styleData>
-    <dgm:dataModel>
-      <dgm:ptLst>
-        <dgm:pt modelId="0" type="doc"/>
-        <dgm:pt modelId="10">
-          <dgm:prSet phldr="1"/>
-        </dgm:pt>
-      </dgm:ptLst>
-      <dgm:cxnLst>
-        <dgm:cxn modelId="20" srcId="0" destId="10" srcOrd="0" destOrd="0"/>
-      </dgm:cxnLst>
-      <dgm:bg/>
-      <dgm:whole/>
-    </dgm:dataModel>
-  </dgm:styleData>
-  <dgm:clrData>
-    <dgm:dataModel>
-      <dgm:ptLst>
-        <dgm:pt modelId="0" type="doc"/>
-        <dgm:pt modelId="10">
-          <dgm:prSet phldr="1"/>
-        </dgm:pt>
-      </dgm:ptLst>
-      <dgm:cxnLst>
-        <dgm:cxn modelId="20" srcId="0" destId="10" srcOrd="0" destOrd="0"/>
-      </dgm:cxnLst>
-      <dgm:bg/>
-      <dgm:whole/>
-    </dgm:dataModel>
-  </dgm:clrData>
-  <dgm:layoutNode name="Name0">
-    <dgm:varLst>
-      <dgm:chMax/>
-      <dgm:chPref/>
-      <dgm:dir/>
-    </dgm:varLst>
-    <dgm:choose name="Name1">
-      <dgm:if name="Name2" func="var" arg="dir" op="equ" val="norm">
-        <dgm:alg type="snake">
-          <dgm:param type="grDir" val="tL"/>
-          <dgm:param type="off" val="ctr"/>
-        </dgm:alg>
-      </dgm:if>
-      <dgm:else name="Name3">
-        <dgm:alg type="snake">
-          <dgm:param type="grDir" val="tR"/>
-          <dgm:param type="off" val="ctr"/>
-        </dgm:alg>
-      </dgm:else>
-    </dgm:choose>
-    <dgm:shape xmlns:r="http://schemas.openxmlformats.org/officeDocument/2006/relationships" r:blip="">
-      <dgm:adjLst/>
-    </dgm:shape>
-    <dgm:constrLst>
-      <dgm:constr type="w" for="ch" forName="composite" refType="w"/>
-      <dgm:constr type="h" for="ch" forName="composite" refType="h"/>
-      <dgm:constr type="primFontSz" for="des" ptType="node" op="equ" val="65"/>
-      <dgm:constr type="sp" refType="w" refFor="ch" refForName="composite" op="equ" fact="0.1"/>
-      <dgm:constr type="w" for="ch" forName="sibTrans" refType="w" refFor="ch" refForName="composite" op="equ" fact="0.1"/>
-      <dgm:constr type="h" for="ch" forName="sibTrans" refType="w" refFor="ch" refForName="sibTrans" op="equ"/>
-    </dgm:constrLst>
-    <dgm:forEach name="nodesForEach" axis="ch" ptType="node">
-      <dgm:layoutNode name="composite">
-        <dgm:varLst>
-          <dgm:chMax/>
-          <dgm:chPref/>
-        </dgm:varLst>
-        <dgm:alg type="composite">
-          <dgm:param type="ar" val="1.5179"/>
-        </dgm:alg>
-        <dgm:shape xmlns:r="http://schemas.openxmlformats.org/officeDocument/2006/relationships" r:blip="">
-          <dgm:adjLst/>
-        </dgm:shape>
-        <dgm:choose name="Name4">
-          <dgm:if name="Name5" func="var" arg="dir" op="equ" val="norm">
-            <dgm:constrLst>
-              <dgm:constr type="l" for="ch" forName="Image" refType="w" fact="0"/>
-              <dgm:constr type="t" for="ch" forName="Image" refType="h" fact="0"/>
-              <dgm:constr type="w" for="ch" forName="Image" refType="w" fact="0.3856"/>
-              <dgm:constr type="h" for="ch" forName="Image" refType="h" fact="0.3902"/>
-              <dgm:constr type="l" for="ch" forName="ParentText" refType="w" fact="0.4017"/>
-              <dgm:constr type="t" for="ch" forName="ParentText" refType="h" fact="0.4146"/>
-              <dgm:constr type="w" for="ch" forName="ParentText" refType="w" fact="0.5463"/>
-              <dgm:constr type="h" for="ch" forName="ParentText" refType="h" fact="0.5122"/>
-              <dgm:constr type="l" for="ch" forName="tlFrame" refType="w" fact="0.3535"/>
-              <dgm:constr type="t" for="ch" forName="tlFrame" refType="h" fact="0.3415"/>
-              <dgm:constr type="w" for="ch" forName="tlFrame" refType="w" fact="0.1312"/>
-              <dgm:constr type="h" for="ch" forName="tlFrame" refType="h" fact="0.1992"/>
-              <dgm:constr type="l" for="ch" forName="trFrame" refType="w" fact="0.8688"/>
-              <dgm:constr type="t" for="ch" forName="trFrame" refType="h" fact="0.3415"/>
-              <dgm:constr type="w" for="ch" forName="trFrame" refType="w" fact="0.1312"/>
-              <dgm:constr type="h" for="ch" forName="trFrame" refType="h" fact="0.1992"/>
-              <dgm:constr type="l" for="ch" forName="blFrame" refType="w" fact="0.3535"/>
-              <dgm:constr type="t" for="ch" forName="blFrame" refType="h" fact="0.8008"/>
-              <dgm:constr type="w" for="ch" forName="blFrame" refType="w" fact="0.1312"/>
-              <dgm:constr type="h" for="ch" forName="blFrame" refType="h" fact="0.1992"/>
-              <dgm:constr type="l" for="ch" forName="brFrame" refType="w" fact="0.8688"/>
-              <dgm:constr type="t" for="ch" forName="brFrame" refType="h" fact="0.8008"/>
-              <dgm:constr type="w" for="ch" forName="brFrame" refType="w" fact="0.1312"/>
-              <dgm:constr type="h" for="ch" forName="brFrame" refType="h" fact="0.1992"/>
-            </dgm:constrLst>
-          </dgm:if>
-          <dgm:else name="Name6">
-            <dgm:constrLst>
-              <dgm:constr type="l" for="ch" forName="Image" refType="w" fact="0.6144"/>
-              <dgm:constr type="t" for="ch" forName="Image" refType="h" fact="0"/>
-              <dgm:constr type="w" for="ch" forName="Image" refType="w" fact="0.3856"/>
-              <dgm:constr type="h" for="ch" forName="Image" refType="h" fact="0.3902"/>
-              <dgm:constr type="l" for="ch" forName="ParentText" refType="w" fact="0.0482"/>
-              <dgm:constr type="t" for="ch" forName="ParentText" refType="h" fact="0.4146"/>
-              <dgm:constr type="w" for="ch" forName="ParentText" refType="w" fact="0.5463"/>
-              <dgm:constr type="h" for="ch" forName="ParentText" refType="h" fact="0.5122"/>
-              <dgm:constr type="l" for="ch" forName="tlFrame" refType="w" fact="0"/>
-              <dgm:constr type="t" for="ch" forName="tlFrame" refType="h" fact="0.3415"/>
-              <dgm:constr type="w" for="ch" forName="tlFrame" refType="w" fact="0.1312"/>
-              <dgm:constr type="h" for="ch" forName="tlFrame" refType="h" fact="0.1992"/>
-              <dgm:constr type="l" for="ch" forName="trFrame" refType="w" fact="0.5153"/>
-              <dgm:constr type="t" for="ch" forName="trFrame" refType="h" fact="0.3415"/>
-              <dgm:constr type="w" for="ch" forName="trFrame" refType="w" fact="0.1312"/>
-              <dgm:constr type="h" for="ch" forName="trFrame" refType="h" fact="0.1992"/>
-              <dgm:constr type="l" for="ch" forName="blFrame" refType="w" fact="0"/>
-              <dgm:constr type="t" for="ch" forName="blFrame" refType="h" fact="0.8008"/>
-              <dgm:constr type="w" for="ch" forName="blFrame" refType="w" fact="0.1312"/>
-              <dgm:constr type="h" for="ch" forName="blFrame" refType="h" fact="0.1992"/>
-              <dgm:constr type="l" for="ch" forName="brFrame" refType="w" fact="0.5153"/>
-              <dgm:constr type="t" for="ch" forName="brFrame" refType="h" fact="0.8008"/>
-              <dgm:constr type="w" for="ch" forName="brFrame" refType="w" fact="0.1312"/>
-              <dgm:constr type="h" for="ch" forName="brFrame" refType="h" fact="0.1992"/>
-            </dgm:constrLst>
-          </dgm:else>
-        </dgm:choose>
-        <dgm:layoutNode name="Image" styleLbl="bgImgPlace1">
-          <dgm:alg type="sp"/>
-          <dgm:shape xmlns:r="http://schemas.openxmlformats.org/officeDocument/2006/relationships" type="rect" r:blip="" blipPhldr="1">
-            <dgm:adjLst/>
-          </dgm:shape>
-          <dgm:presOf/>
-        </dgm:layoutNode>
-        <dgm:layoutNode name="ParentText" styleLbl="revTx">
-          <dgm:varLst>
-            <dgm:chMax val="0"/>
-            <dgm:chPref val="0"/>
-            <dgm:bulletEnabled val="1"/>
-          </dgm:varLst>
-          <dgm:alg type="tx"/>
-          <dgm:shape xmlns:r="http://schemas.openxmlformats.org/officeDocument/2006/relationships" type="rect" r:blip="">
-            <dgm:adjLst/>
-          </dgm:shape>
-          <dgm:presOf axis="desOrSelf" ptType="node"/>
-          <dgm:constrLst>
-            <dgm:constr type="lMarg" refType="primFontSz" fact="0.3"/>
-            <dgm:constr type="rMarg" refType="primFontSz" fact="0.3"/>
-            <dgm:constr type="tMarg" refType="primFontSz" fact="0.3"/>
-            <dgm:constr type="bMarg" refType="primFontSz" fact="0.3"/>
-          </dgm:constrLst>
-          <dgm:ruleLst>
-            <dgm:rule type="primFontSz" val="5" fact="NaN" max="NaN"/>
-          </dgm:ruleLst>
-        </dgm:layoutNode>
-        <dgm:layoutNode name="tlFrame" styleLbl="node1">
-          <dgm:alg type="sp"/>
-          <dgm:shape xmlns:r="http://schemas.openxmlformats.org/officeDocument/2006/relationships" type="halfFrame" r:blip="">
-            <dgm:adjLst>
-              <dgm:adj idx="1" val="0.2577"/>
-              <dgm:adj idx="2" val="0.2577"/>
-            </dgm:adjLst>
-          </dgm:shape>
-          <dgm:presOf/>
-        </dgm:layoutNode>
-        <dgm:layoutNode name="trFrame" styleLbl="node1">
-          <dgm:alg type="sp"/>
-          <dgm:shape xmlns:r="http://schemas.openxmlformats.org/officeDocument/2006/relationships" rot="90" type="halfFrame" r:blip="">
-            <dgm:adjLst>
-              <dgm:adj idx="1" val="0.2577"/>
-              <dgm:adj idx="2" val="0.2577"/>
-            </dgm:adjLst>
-          </dgm:shape>
-          <dgm:presOf/>
-        </dgm:layoutNode>
-        <dgm:layoutNode name="blFrame" styleLbl="node1">
-          <dgm:alg type="sp"/>
-          <dgm:shape xmlns:r="http://schemas.openxmlformats.org/officeDocument/2006/relationships" rot="270" type="halfFrame" r:blip="">
-            <dgm:adjLst>
-              <dgm:adj idx="1" val="0.2577"/>
-              <dgm:adj idx="2" val="0.2577"/>
-            </dgm:adjLst>
-          </dgm:shape>
-          <dgm:presOf/>
-        </dgm:layoutNode>
-        <dgm:layoutNode name="brFrame" styleLbl="node1">
-          <dgm:alg type="sp"/>
-          <dgm:shape xmlns:r="http://schemas.openxmlformats.org/officeDocument/2006/relationships" rot="180" type="halfFrame" r:blip="">
-            <dgm:adjLst>
-              <dgm:adj idx="1" val="0.2577"/>
-              <dgm:adj idx="2" val="0.2577"/>
-            </dgm:adjLst>
-          </dgm:shape>
-          <dgm:presOf/>
-        </dgm:layoutNode>
-      </dgm:layoutNode>
-      <dgm:forEach name="sibTransForEach" axis="followSib" ptType="sibTrans" cnt="1">
-        <dgm:layoutNode name="sibTrans">
-          <dgm:alg type="sp"/>
-          <dgm:shape xmlns:r="http://schemas.openxmlformats.org/officeDocument/2006/relationships" r:blip="">
-            <dgm:adjLst/>
-          </dgm:shape>
-        </dgm:layoutNode>
-      </dgm:forEach>
-    </dgm:forEach>
-  </dgm:layoutNode>
-</dgm:layoutDef>
-</file>
-
-<file path=ppt/diagrams/quickStyle1.xml><?xml version="1.0" encoding="utf-8"?>
-<dgm:styleDef xmlns:dgm="http://schemas.openxmlformats.org/drawingml/2006/diagram" xmlns:a="http://schemas.openxmlformats.org/drawingml/2006/main" uniqueId="urn:microsoft.com/office/officeart/2005/8/quickstyle/simple3">
-  <dgm:title val=""/>
-  <dgm:desc val=""/>
-  <dgm:catLst>
-    <dgm:cat type="simple" pri="10300"/>
-  </dgm:catLst>
-  <dgm:scene3d>
-    <a:camera prst="orthographicFront"/>
-    <a:lightRig rig="threePt" dir="t"/>
-  </dgm:scene3d>
-  <dgm:styleLbl name="node0">
-    <dgm:scene3d>
-      <a:camera prst="orthographicFront"/>
-      <a:lightRig rig="flat" dir="t"/>
-    </dgm:scene3d>
-    <dgm:sp3d prstMaterial="dkEdge">
-      <a:bevelT w="8200" h="38100"/>
-    </dgm:sp3d>
-    <dgm:txPr/>
-    <dgm:style>
-      <a:lnRef idx="0">
-        <a:scrgbClr r="0" g="0" b="0"/>
-      </a:lnRef>
-      <a:fillRef idx="2">
-        <a:scrgbClr r="0" g="0" b="0"/>
-      </a:fillRef>
-      <a:effectRef idx="1">
-        <a:scrgbClr r="0" g="0" b="0"/>
-      </a:effectRef>
-      <a:fontRef idx="minor">
-        <a:schemeClr val="dk1"/>
-      </a:fontRef>
-    </dgm:style>
-  </dgm:styleLbl>
-  <dgm:styleLbl name="lnNode1">
-    <dgm:scene3d>
-      <a:camera prst="orthographicFront"/>
-      <a:lightRig rig="flat" dir="t"/>
-    </dgm:scene3d>
-    <dgm:sp3d prstMaterial="dkEdge">
-      <a:bevelT w="8200" h="38100"/>
-    </dgm:sp3d>
-    <dgm:txPr/>
-    <dgm:style>
-      <a:lnRef idx="1">
-        <a:scrgbClr r="0" g="0" b="0"/>
-      </a:lnRef>
-      <a:fillRef idx="2">
-        <a:scrgbClr r="0" g="0" b="0"/>
-      </a:fillRef>
-      <a:effectRef idx="0">
-        <a:scrgbClr r="0" g="0" b="0"/>
-      </a:effectRef>
-      <a:fontRef idx="minor">
-        <a:schemeClr val="dk1"/>
-      </a:fontRef>
-    </dgm:style>
-  </dgm:styleLbl>
-  <dgm:styleLbl name="vennNode1">
-    <dgm:scene3d>
-      <a:camera prst="orthographicFront"/>
-      <a:lightRig rig="flat" dir="t"/>
-    </dgm:scene3d>
-    <dgm:sp3d prstMaterial="dkEdge">
-      <a:bevelT w="8200" h="38100"/>
-    </dgm:sp3d>
-    <dgm:txPr/>
-    <dgm:style>
-      <a:lnRef idx="0">
-        <a:scrgbClr r="0" g="0" b="0"/>
-      </a:lnRef>
-      <a:fillRef idx="2">
-        <a:scrgbClr r="0" g="0" b="0"/>
-      </a:fillRef>
-      <a:effectRef idx="0">
-        <a:scrgbClr r="0" g="0" b="0"/>
-      </a:effectRef>
-      <a:fontRef idx="minor">
-        <a:schemeClr val="tx1"/>
-      </a:fontRef>
-    </dgm:style>
-  </dgm:styleLbl>
-  <dgm:styleLbl name="alignNode1">
-    <dgm:scene3d>
-      <a:camera prst="orthographicFront"/>
-      <a:lightRig rig="threePt" dir="t"/>
-    </dgm:scene3d>
-    <dgm:sp3d/>
-    <dgm:txPr/>
-    <dgm:style>
-      <a:lnRef idx="1">
-        <a:scrgbClr r="0" g="0" b="0"/>
-      </a:lnRef>
-      <a:fillRef idx="2">
-        <a:scrgbClr r="0" g="0" b="0"/>
-      </a:fillRef>
-      <a:effectRef idx="1">
-        <a:scrgbClr r="0" g="0" b="0"/>
-      </a:effectRef>
-      <a:fontRef idx="minor">
-        <a:schemeClr val="dk1"/>
-      </a:fontRef>
-    </dgm:style>
-  </dgm:styleLbl>
-  <dgm:styleLbl name="node1">
-    <dgm:scene3d>
-      <a:camera prst="orthographicFront"/>
-      <a:lightRig rig="flat" dir="t"/>
-    </dgm:scene3d>
-    <dgm:sp3d prstMaterial="dkEdge">
-      <a:bevelT w="8200" h="38100"/>
-    </dgm:sp3d>
-    <dgm:txPr/>
-    <dgm:style>
-      <a:lnRef idx="0">
-        <a:scrgbClr r="0" g="0" b="0"/>
-      </a:lnRef>
-      <a:fillRef idx="2">
-        <a:scrgbClr r="0" g="0" b="0"/>
-      </a:fillRef>
-      <a:effectRef idx="1">
-        <a:scrgbClr r="0" g="0" b="0"/>
-      </a:effectRef>
-      <a:fontRef idx="minor">
-        <a:schemeClr val="dk1"/>
-      </a:fontRef>
-    </dgm:style>
-  </dgm:styleLbl>
-  <dgm:styleLbl name="node2">
-    <dgm:scene3d>
-      <a:camera prst="orthographicFront"/>
-      <a:lightRig rig="flat" dir="t"/>
-    </dgm:scene3d>
-    <dgm:sp3d prstMaterial="dkEdge">
-      <a:bevelT w="8200" h="38100"/>
-    </dgm:sp3d>
-    <dgm:txPr/>
-    <dgm:style>
-      <a:lnRef idx="0">
-        <a:scrgbClr r="0" g="0" b="0"/>
-      </a:lnRef>
-      <a:fillRef idx="2">
-        <a:scrgbClr r="0" g="0" b="0"/>
-      </a:fillRef>
-      <a:effectRef idx="1">
-        <a:scrgbClr r="0" g="0" b="0"/>
-      </a:effectRef>
-      <a:fontRef idx="minor">
-        <a:schemeClr val="dk1"/>
-      </a:fontRef>
-    </dgm:style>
-  </dgm:styleLbl>
-  <dgm:styleLbl name="node3">
-    <dgm:scene3d>
-      <a:camera prst="orthographicFront"/>
-      <a:lightRig rig="flat" dir="t"/>
-    </dgm:scene3d>
-    <dgm:sp3d prstMaterial="dkEdge">
-      <a:bevelT w="8200" h="38100"/>
-    </dgm:sp3d>
-    <dgm:txPr/>
-    <dgm:style>
-      <a:lnRef idx="0">
-        <a:scrgbClr r="0" g="0" b="0"/>
-      </a:lnRef>
-      <a:fillRef idx="2">
-        <a:scrgbClr r="0" g="0" b="0"/>
-      </a:fillRef>
-      <a:effectRef idx="1">
-        <a:scrgbClr r="0" g="0" b="0"/>
-      </a:effectRef>
-      <a:fontRef idx="minor">
-        <a:schemeClr val="dk1"/>
-      </a:fontRef>
-    </dgm:style>
-  </dgm:styleLbl>
-  <dgm:styleLbl name="node4">
-    <dgm:scene3d>
-      <a:camera prst="orthographicFront"/>
-      <a:lightRig rig="flat" dir="t"/>
-    </dgm:scene3d>
-    <dgm:sp3d prstMaterial="dkEdge">
-      <a:bevelT w="8200" h="38100"/>
-    </dgm:sp3d>
-    <dgm:txPr/>
-    <dgm:style>
-      <a:lnRef idx="0">
-        <a:scrgbClr r="0" g="0" b="0"/>
-      </a:lnRef>
-      <a:fillRef idx="2">
-        <a:scrgbClr r="0" g="0" b="0"/>
-      </a:fillRef>
-      <a:effectRef idx="1">
-        <a:scrgbClr r="0" g="0" b="0"/>
-      </a:effectRef>
-      <a:fontRef idx="minor">
-        <a:schemeClr val="dk1"/>
-      </a:fontRef>
-    </dgm:style>
-  </dgm:styleLbl>
-  <dgm:styleLbl name="fgImgPlace1">
-    <dgm:scene3d>
-      <a:camera prst="orthographicFront"/>
-      <a:lightRig rig="threePt" dir="t"/>
-    </dgm:scene3d>
-    <dgm:sp3d/>
-    <dgm:txPr/>
-    <dgm:style>
-      <a:lnRef idx="1">
-        <a:scrgbClr r="0" g="0" b="0"/>
-      </a:lnRef>
-      <a:fillRef idx="1">
-        <a:scrgbClr r="0" g="0" b="0"/>
-      </a:fillRef>
-      <a:effectRef idx="1">
-        <a:scrgbClr r="0" g="0" b="0"/>
-      </a:effectRef>
-      <a:fontRef idx="minor"/>
-    </dgm:style>
-  </dgm:styleLbl>
-  <dgm:styleLbl name="alignImgPlace1">
-    <dgm:scene3d>
-      <a:camera prst="orthographicFront"/>
-      <a:lightRig rig="threePt" dir="t"/>
-    </dgm:scene3d>
-    <dgm:sp3d/>
-    <dgm:txPr/>
-    <dgm:style>
-      <a:lnRef idx="1">
-        <a:scrgbClr r="0" g="0" b="0"/>
-      </a:lnRef>
-      <a:fillRef idx="1">
-        <a:scrgbClr r="0" g="0" b="0"/>
-      </a:fillRef>
-      <a:effectRef idx="1">
-        <a:scrgbClr r="0" g="0" b="0"/>
-      </a:effectRef>
-      <a:fontRef idx="minor"/>
-    </dgm:style>
-  </dgm:styleLbl>
-  <dgm:styleLbl name="bgImgPlace1">
-    <dgm:scene3d>
-      <a:camera prst="orthographicFront"/>
-      <a:lightRig rig="threePt" dir="t"/>
-    </dgm:scene3d>
-    <dgm:sp3d/>
-    <dgm:txPr/>
-    <dgm:style>
-      <a:lnRef idx="1">
-        <a:scrgbClr r="0" g="0" b="0"/>
-      </a:lnRef>
-      <a:fillRef idx="1">
-        <a:scrgbClr r="0" g="0" b="0"/>
-      </a:fillRef>
-      <a:effectRef idx="1">
-        <a:scrgbClr r="0" g="0" b="0"/>
-      </a:effectRef>
-      <a:fontRef idx="minor"/>
-    </dgm:style>
-  </dgm:styleLbl>
-  <dgm:styleLbl name="sibTrans2D1">
-    <dgm:scene3d>
-      <a:camera prst="orthographicFront"/>
-      <a:lightRig rig="threePt" dir="t"/>
-    </dgm:scene3d>
-    <dgm:sp3d/>
-    <dgm:txPr/>
-    <dgm:style>
-      <a:lnRef idx="0">
-        <a:scrgbClr r="0" g="0" b="0"/>
-      </a:lnRef>
-      <a:fillRef idx="2">
-        <a:scrgbClr r="0" g="0" b="0"/>
-      </a:fillRef>
-      <a:effectRef idx="1">
-        <a:scrgbClr r="0" g="0" b="0"/>
-      </a:effectRef>
-      <a:fontRef idx="minor">
-        <a:schemeClr val="dk1"/>
-      </a:fontRef>
-    </dgm:style>
-  </dgm:styleLbl>
-  <dgm:styleLbl name="fgSibTrans2D1">
-    <dgm:scene3d>
-      <a:camera prst="orthographicFront"/>
-      <a:lightRig rig="threePt" dir="t"/>
-    </dgm:scene3d>
-    <dgm:sp3d/>
-    <dgm:txPr/>
-    <dgm:style>
-      <a:lnRef idx="0">
-        <a:scrgbClr r="0" g="0" b="0"/>
-      </a:lnRef>
-      <a:fillRef idx="2">
-        <a:scrgbClr r="0" g="0" b="0"/>
-      </a:fillRef>
-      <a:effectRef idx="1">
-        <a:scrgbClr r="0" g="0" b="0"/>
-      </a:effectRef>
-      <a:fontRef idx="minor">
-        <a:schemeClr val="dk1"/>
-      </a:fontRef>
-    </dgm:style>
-  </dgm:styleLbl>
-  <dgm:styleLbl name="bgSibTrans2D1">
-    <dgm:scene3d>
-      <a:camera prst="orthographicFront"/>
-      <a:lightRig rig="threePt" dir="t"/>
-    </dgm:scene3d>
-    <dgm:sp3d/>
-    <dgm:txPr/>
-    <dgm:style>
-      <a:lnRef idx="0">
-        <a:scrgbClr r="0" g="0" b="0"/>
-      </a:lnRef>
-      <a:fillRef idx="2">
-        <a:scrgbClr r="0" g="0" b="0"/>
-      </a:fillRef>
-      <a:effectRef idx="1">
-        <a:scrgbClr r="0" g="0" b="0"/>
-      </a:effectRef>
-      <a:fontRef idx="minor">
-        <a:schemeClr val="dk1"/>
-      </a:fontRef>
-    </dgm:style>
-  </dgm:styleLbl>
-  <dgm:styleLbl name="sibTrans1D1">
-    <dgm:scene3d>
-      <a:camera prst="orthographicFront"/>
-      <a:lightRig rig="threePt" dir="t"/>
-    </dgm:scene3d>
-    <dgm:sp3d/>
-    <dgm:txPr/>
-    <dgm:style>
-      <a:lnRef idx="1">
-        <a:scrgbClr r="0" g="0" b="0"/>
-      </a:lnRef>
-      <a:fillRef idx="0">
-        <a:scrgbClr r="0" g="0" b="0"/>
-      </a:fillRef>
-      <a:effectRef idx="0">
-        <a:scrgbClr r="0" g="0" b="0"/>
-      </a:effectRef>
-      <a:fontRef idx="minor"/>
-    </dgm:style>
-  </dgm:styleLbl>
-  <dgm:styleLbl name="callout">
-    <dgm:scene3d>
-      <a:camera prst="orthographicFront"/>
-      <a:lightRig rig="threePt" dir="t"/>
-    </dgm:scene3d>
-    <dgm:sp3d/>
-    <dgm:txPr/>
-    <dgm:style>
-      <a:lnRef idx="1">
-        <a:scrgbClr r="0" g="0" b="0"/>
-      </a:lnRef>
-      <a:fillRef idx="2">
-        <a:scrgbClr r="0" g="0" b="0"/>
-      </a:fillRef>
-      <a:effectRef idx="1">
-        <a:scrgbClr r="0" g="0" b="0"/>
-      </a:effectRef>
-      <a:fontRef idx="minor"/>
-    </dgm:style>
-  </dgm:styleLbl>
-  <dgm:styleLbl name="asst0">
-    <dgm:scene3d>
-      <a:camera prst="orthographicFront"/>
-      <a:lightRig rig="flat" dir="t"/>
-    </dgm:scene3d>
-    <dgm:sp3d prstMaterial="dkEdge">
-      <a:bevelT w="8200" h="38100"/>
-    </dgm:sp3d>
-    <dgm:txPr/>
-    <dgm:style>
-      <a:lnRef idx="0">
-        <a:scrgbClr r="0" g="0" b="0"/>
-      </a:lnRef>
-      <a:fillRef idx="2">
-        <a:scrgbClr r="0" g="0" b="0"/>
-      </a:fillRef>
-      <a:effectRef idx="1">
-        <a:scrgbClr r="0" g="0" b="0"/>
-      </a:effectRef>
-      <a:fontRef idx="minor">
-        <a:schemeClr val="dk1"/>
-      </a:fontRef>
-    </dgm:style>
-  </dgm:styleLbl>
-  <dgm:styleLbl name="asst1">
-    <dgm:scene3d>
-      <a:camera prst="orthographicFront"/>
-      <a:lightRig rig="flat" dir="t"/>
-    </dgm:scene3d>
-    <dgm:sp3d prstMaterial="dkEdge">
-      <a:bevelT w="8200" h="38100"/>
-    </dgm:sp3d>
-    <dgm:txPr/>
-    <dgm:style>
-      <a:lnRef idx="0">
-        <a:scrgbClr r="0" g="0" b="0"/>
-      </a:lnRef>
-      <a:fillRef idx="2">
-        <a:scrgbClr r="0" g="0" b="0"/>
-      </a:fillRef>
-      <a:effectRef idx="1">
-        <a:scrgbClr r="0" g="0" b="0"/>
-      </a:effectRef>
-      <a:fontRef idx="minor">
-        <a:schemeClr val="dk1"/>
-      </a:fontRef>
-    </dgm:style>
-  </dgm:styleLbl>
-  <dgm:styleLbl name="asst2">
-    <dgm:scene3d>
-      <a:camera prst="orthographicFront"/>
-      <a:lightRig rig="flat" dir="t"/>
-    </dgm:scene3d>
-    <dgm:sp3d prstMaterial="dkEdge">
-      <a:bevelT w="8200" h="38100"/>
-    </dgm:sp3d>
-    <dgm:txPr/>
-    <dgm:style>
-      <a:lnRef idx="0">
-        <a:scrgbClr r="0" g="0" b="0"/>
-      </a:lnRef>
-      <a:fillRef idx="2">
-        <a:scrgbClr r="0" g="0" b="0"/>
-      </a:fillRef>
-      <a:effectRef idx="1">
-        <a:scrgbClr r="0" g="0" b="0"/>
-      </a:effectRef>
-      <a:fontRef idx="minor">
-        <a:schemeClr val="dk1"/>
-      </a:fontRef>
-    </dgm:style>
-  </dgm:styleLbl>
-  <dgm:styleLbl name="asst3">
-    <dgm:scene3d>
-      <a:camera prst="orthographicFront"/>
-      <a:lightRig rig="flat" dir="t"/>
-    </dgm:scene3d>
-    <dgm:sp3d prstMaterial="dkEdge">
-      <a:bevelT w="8200" h="38100"/>
-    </dgm:sp3d>
-    <dgm:txPr/>
-    <dgm:style>
-      <a:lnRef idx="0">
-        <a:scrgbClr r="0" g="0" b="0"/>
-      </a:lnRef>
-      <a:fillRef idx="2">
-        <a:scrgbClr r="0" g="0" b="0"/>
-      </a:fillRef>
-      <a:effectRef idx="1">
-        <a:scrgbClr r="0" g="0" b="0"/>
-      </a:effectRef>
-      <a:fontRef idx="minor">
-        <a:schemeClr val="dk1"/>
-      </a:fontRef>
-    </dgm:style>
-  </dgm:styleLbl>
-  <dgm:styleLbl name="asst4">
-    <dgm:scene3d>
-      <a:camera prst="orthographicFront"/>
-      <a:lightRig rig="flat" dir="t"/>
-    </dgm:scene3d>
-    <dgm:sp3d prstMaterial="dkEdge">
-      <a:bevelT w="8200" h="38100"/>
-    </dgm:sp3d>
-    <dgm:txPr/>
-    <dgm:style>
-      <a:lnRef idx="0">
-        <a:scrgbClr r="0" g="0" b="0"/>
-      </a:lnRef>
-      <a:fillRef idx="2">
-        <a:scrgbClr r="0" g="0" b="0"/>
-      </a:fillRef>
-      <a:effectRef idx="1">
-        <a:scrgbClr r="0" g="0" b="0"/>
-      </a:effectRef>
-      <a:fontRef idx="minor">
-        <a:schemeClr val="dk1"/>
-      </a:fontRef>
-    </dgm:style>
-  </dgm:styleLbl>
-  <dgm:styleLbl name="parChTrans2D1">
-    <dgm:scene3d>
-      <a:camera prst="orthographicFront"/>
-      <a:lightRig rig="threePt" dir="t"/>
-    </dgm:scene3d>
-    <dgm:sp3d/>
-    <dgm:txPr/>
-    <dgm:style>
-      <a:lnRef idx="1">
-        <a:scrgbClr r="0" g="0" b="0"/>
-      </a:lnRef>
-      <a:fillRef idx="2">
-        <a:scrgbClr r="0" g="0" b="0"/>
-      </a:fillRef>
-      <a:effectRef idx="1">
-        <a:scrgbClr r="0" g="0" b="0"/>
-      </a:effectRef>
-      <a:fontRef idx="minor">
-        <a:schemeClr val="dk1"/>
-      </a:fontRef>
-    </dgm:style>
-  </dgm:styleLbl>
-  <dgm:styleLbl name="parChTrans2D2">
-    <dgm:scene3d>
-      <a:camera prst="orthographicFront"/>
-      <a:lightRig rig="threePt" dir="t"/>
-    </dgm:scene3d>
-    <dgm:sp3d/>
-    <dgm:txPr/>
-    <dgm:style>
-      <a:lnRef idx="1">
-        <a:scrgbClr r="0" g="0" b="0"/>
-      </a:lnRef>
-      <a:fillRef idx="2">
-        <a:scrgbClr r="0" g="0" b="0"/>
-      </a:fillRef>
-      <a:effectRef idx="1">
-        <a:scrgbClr r="0" g="0" b="0"/>
-      </a:effectRef>
-      <a:fontRef idx="minor">
-        <a:schemeClr val="dk1"/>
-      </a:fontRef>
-    </dgm:style>
-  </dgm:styleLbl>
-  <dgm:styleLbl name="parChTrans2D3">
-    <dgm:scene3d>
-      <a:camera prst="orthographicFront"/>
-      <a:lightRig rig="threePt" dir="t"/>
-    </dgm:scene3d>
-    <dgm:sp3d/>
-    <dgm:txPr/>
-    <dgm:style>
-      <a:lnRef idx="1">
-        <a:scrgbClr r="0" g="0" b="0"/>
-      </a:lnRef>
-      <a:fillRef idx="2">
-        <a:scrgbClr r="0" g="0" b="0"/>
-      </a:fillRef>
-      <a:effectRef idx="1">
-        <a:scrgbClr r="0" g="0" b="0"/>
-      </a:effectRef>
-      <a:fontRef idx="minor">
-        <a:schemeClr val="dk1"/>
-      </a:fontRef>
-    </dgm:style>
-  </dgm:styleLbl>
-  <dgm:styleLbl name="parChTrans2D4">
-    <dgm:scene3d>
-      <a:camera prst="orthographicFront"/>
-      <a:lightRig rig="threePt" dir="t"/>
-    </dgm:scene3d>
-    <dgm:sp3d/>
-    <dgm:txPr/>
-    <dgm:style>
-      <a:lnRef idx="1">
-        <a:scrgbClr r="0" g="0" b="0"/>
-      </a:lnRef>
-      <a:fillRef idx="2">
-        <a:scrgbClr r="0" g="0" b="0"/>
-      </a:fillRef>
-      <a:effectRef idx="1">
-        <a:scrgbClr r="0" g="0" b="0"/>
-      </a:effectRef>
-      <a:fontRef idx="minor">
-        <a:schemeClr val="dk1"/>
-      </a:fontRef>
-    </dgm:style>
-  </dgm:styleLbl>
-  <dgm:styleLbl name="parChTrans1D1">
-    <dgm:scene3d>
-      <a:camera prst="orthographicFront"/>
-      <a:lightRig rig="threePt" dir="t"/>
-    </dgm:scene3d>
-    <dgm:sp3d/>
-    <dgm:txPr/>
-    <dgm:style>
-      <a:lnRef idx="2">
-        <a:scrgbClr r="0" g="0" b="0"/>
-      </a:lnRef>
-      <a:fillRef idx="0">
-        <a:scrgbClr r="0" g="0" b="0"/>
-      </a:fillRef>
-      <a:effectRef idx="0">
-        <a:scrgbClr r="0" g="0" b="0"/>
-      </a:effectRef>
-      <a:fontRef idx="minor"/>
-    </dgm:style>
-  </dgm:styleLbl>
-  <dgm:styleLbl name="parChTrans1D2">
-    <dgm:scene3d>
-      <a:camera prst="orthographicFront"/>
-      <a:lightRig rig="threePt" dir="t"/>
-    </dgm:scene3d>
-    <dgm:sp3d/>
-    <dgm:txPr/>
-    <dgm:style>
-      <a:lnRef idx="2">
-        <a:scrgbClr r="0" g="0" b="0"/>
-      </a:lnRef>
-      <a:fillRef idx="0">
-        <a:scrgbClr r="0" g="0" b="0"/>
-      </a:fillRef>
-      <a:effectRef idx="0">
-        <a:scrgbClr r="0" g="0" b="0"/>
-      </a:effectRef>
-      <a:fontRef idx="minor"/>
-    </dgm:style>
-  </dgm:styleLbl>
-  <dgm:styleLbl name="parChTrans1D3">
-    <dgm:scene3d>
-      <a:camera prst="orthographicFront"/>
-      <a:lightRig rig="threePt" dir="t"/>
-    </dgm:scene3d>
-    <dgm:sp3d/>
-    <dgm:txPr/>
-    <dgm:style>
-      <a:lnRef idx="2">
-        <a:scrgbClr r="0" g="0" b="0"/>
-      </a:lnRef>
-      <a:fillRef idx="0">
-        <a:scrgbClr r="0" g="0" b="0"/>
-      </a:fillRef>
-      <a:effectRef idx="0">
-        <a:scrgbClr r="0" g="0" b="0"/>
-      </a:effectRef>
-      <a:fontRef idx="minor"/>
-    </dgm:style>
-  </dgm:styleLbl>
-  <dgm:styleLbl name="parChTrans1D4">
-    <dgm:scene3d>
-      <a:camera prst="orthographicFront"/>
-      <a:lightRig rig="threePt" dir="t"/>
-    </dgm:scene3d>
-    <dgm:sp3d/>
-    <dgm:txPr/>
-    <dgm:style>
-      <a:lnRef idx="2">
-        <a:scrgbClr r="0" g="0" b="0"/>
-      </a:lnRef>
-      <a:fillRef idx="0">
-        <a:scrgbClr r="0" g="0" b="0"/>
-      </a:fillRef>
-      <a:effectRef idx="0">
-        <a:scrgbClr r="0" g="0" b="0"/>
-      </a:effectRef>
-      <a:fontRef idx="minor"/>
-    </dgm:style>
-  </dgm:styleLbl>
-  <dgm:styleLbl name="fgAcc1">
-    <dgm:scene3d>
-      <a:camera prst="orthographicFront"/>
-      <a:lightRig rig="threePt" dir="t"/>
-    </dgm:scene3d>
-    <dgm:sp3d/>
-    <dgm:txPr/>
-    <dgm:style>
-      <a:lnRef idx="1">
-        <a:scrgbClr r="0" g="0" b="0"/>
-      </a:lnRef>
-      <a:fillRef idx="1">
-        <a:scrgbClr r="0" g="0" b="0"/>
-      </a:fillRef>
-      <a:effectRef idx="0">
-        <a:scrgbClr r="0" g="0" b="0"/>
-      </a:effectRef>
-      <a:fontRef idx="minor"/>
-    </dgm:style>
-  </dgm:styleLbl>
-  <dgm:styleLbl name="conFgAcc1">
-    <dgm:scene3d>
-      <a:camera prst="orthographicFront"/>
-      <a:lightRig rig="threePt" dir="t"/>
-    </dgm:scene3d>
-    <dgm:sp3d/>
-    <dgm:txPr/>
-    <dgm:style>
-      <a:lnRef idx="1">
-        <a:scrgbClr r="0" g="0" b="0"/>
-      </a:lnRef>
-      <a:fillRef idx="1">
-        <a:scrgbClr r="0" g="0" b="0"/>
-      </a:fillRef>
-      <a:effectRef idx="0">
-        <a:scrgbClr r="0" g="0" b="0"/>
-      </a:effectRef>
-      <a:fontRef idx="minor"/>
-    </dgm:style>
-  </dgm:styleLbl>
-  <dgm:styleLbl name="alignAcc1">
-    <dgm:scene3d>
-      <a:camera prst="orthographicFront"/>
-      <a:lightRig rig="threePt" dir="t"/>
-    </dgm:scene3d>
-    <dgm:sp3d/>
-    <dgm:txPr/>
-    <dgm:style>
-      <a:lnRef idx="1">
-        <a:scrgbClr r="0" g="0" b="0"/>
-      </a:lnRef>
-      <a:fillRef idx="1">
-        <a:scrgbClr r="0" g="0" b="0"/>
-      </a:fillRef>
-      <a:effectRef idx="0">
-        <a:scrgbClr r="0" g="0" b="0"/>
-      </a:effectRef>
-      <a:fontRef idx="minor"/>
-    </dgm:style>
-  </dgm:styleLbl>
-  <dgm:styleLbl name="trAlignAcc1">
-    <dgm:scene3d>
-      <a:camera prst="orthographicFront"/>
-      <a:lightRig rig="threePt" dir="t"/>
-    </dgm:scene3d>
-    <dgm:sp3d/>
-    <dgm:txPr/>
-    <dgm:style>
-      <a:lnRef idx="1">
-        <a:scrgbClr r="0" g="0" b="0"/>
-      </a:lnRef>
-      <a:fillRef idx="1">
-        <a:scrgbClr r="0" g="0" b="0"/>
-      </a:fillRef>
-      <a:effectRef idx="0">
-        <a:scrgbClr r="0" g="0" b="0"/>
-      </a:effectRef>
-      <a:fontRef idx="minor"/>
-    </dgm:style>
-  </dgm:styleLbl>
-  <dgm:styleLbl name="bgAcc1">
-    <dgm:scene3d>
-      <a:camera prst="orthographicFront"/>
-      <a:lightRig rig="threePt" dir="t"/>
-    </dgm:scene3d>
-    <dgm:sp3d/>
-    <dgm:txPr/>
-    <dgm:style>
-      <a:lnRef idx="1">
-        <a:scrgbClr r="0" g="0" b="0"/>
-      </a:lnRef>
-      <a:fillRef idx="1">
-        <a:scrgbClr r="0" g="0" b="0"/>
-      </a:fillRef>
-      <a:effectRef idx="0">
-        <a:scrgbClr r="0" g="0" b="0"/>
-      </a:effectRef>
-      <a:fontRef idx="minor"/>
-    </dgm:style>
-  </dgm:styleLbl>
-  <dgm:styleLbl name="solidFgAcc1">
-    <dgm:scene3d>
-      <a:camera prst="orthographicFront"/>
-      <a:lightRig rig="threePt" dir="t"/>
-    </dgm:scene3d>
-    <dgm:sp3d/>
-    <dgm:txPr/>
-    <dgm:style>
-      <a:lnRef idx="1">
-        <a:scrgbClr r="0" g="0" b="0"/>
-      </a:lnRef>
-      <a:fillRef idx="2">
-        <a:scrgbClr r="0" g="0" b="0"/>
-      </a:fillRef>
-      <a:effectRef idx="0">
-        <a:scrgbClr r="0" g="0" b="0"/>
-      </a:effectRef>
-      <a:fontRef idx="minor"/>
-    </dgm:style>
-  </dgm:styleLbl>
-  <dgm:styleLbl name="solidAlignAcc1">
-    <dgm:scene3d>
-      <a:camera prst="orthographicFront"/>
-      <a:lightRig rig="threePt" dir="t"/>
-    </dgm:scene3d>
-    <dgm:sp3d/>
-    <dgm:txPr/>
-    <dgm:style>
-      <a:lnRef idx="1">
-        <a:scrgbClr r="0" g="0" b="0"/>
-      </a:lnRef>
-      <a:fillRef idx="1">
-        <a:scrgbClr r="0" g="0" b="0"/>
-      </a:fillRef>
-      <a:effectRef idx="0">
-        <a:scrgbClr r="0" g="0" b="0"/>
-      </a:effectRef>
-      <a:fontRef idx="minor"/>
-    </dgm:style>
-  </dgm:styleLbl>
-  <dgm:styleLbl name="solidBgAcc1">
-    <dgm:scene3d>
-      <a:camera prst="orthographicFront"/>
-      <a:lightRig rig="threePt" dir="t"/>
-    </dgm:scene3d>
-    <dgm:sp3d/>
-    <dgm:txPr/>
-    <dgm:style>
-      <a:lnRef idx="1">
-        <a:scrgbClr r="0" g="0" b="0"/>
-      </a:lnRef>
-      <a:fillRef idx="1">
-        <a:scrgbClr r="0" g="0" b="0"/>
-      </a:fillRef>
-      <a:effectRef idx="0">
-        <a:scrgbClr r="0" g="0" b="0"/>
-      </a:effectRef>
-      <a:fontRef idx="minor"/>
-    </dgm:style>
-  </dgm:styleLbl>
-  <dgm:styleLbl name="fgAccFollowNode1">
-    <dgm:scene3d>
-      <a:camera prst="orthographicFront"/>
-      <a:lightRig rig="threePt" dir="t"/>
-    </dgm:scene3d>
-    <dgm:sp3d/>
-    <dgm:txPr/>
-    <dgm:style>
-      <a:lnRef idx="1">
-        <a:scrgbClr r="0" g="0" b="0"/>
-      </a:lnRef>
-      <a:fillRef idx="1">
-        <a:scrgbClr r="0" g="0" b="0"/>
-      </a:fillRef>
-      <a:effectRef idx="0">
-        <a:scrgbClr r="0" g="0" b="0"/>
-      </a:effectRef>
-      <a:fontRef idx="minor"/>
-    </dgm:style>
-  </dgm:styleLbl>
-  <dgm:styleLbl name="alignAccFollowNode1">
-    <dgm:scene3d>
-      <a:camera prst="orthographicFront"/>
-      <a:lightRig rig="threePt" dir="t"/>
-    </dgm:scene3d>
-    <dgm:sp3d/>
-    <dgm:txPr/>
-    <dgm:style>
-      <a:lnRef idx="1">
-        <a:scrgbClr r="0" g="0" b="0"/>
-      </a:lnRef>
-      <a:fillRef idx="1">
-        <a:scrgbClr r="0" g="0" b="0"/>
-      </a:fillRef>
-      <a:effectRef idx="0">
-        <a:scrgbClr r="0" g="0" b="0"/>
-      </a:effectRef>
-      <a:fontRef idx="minor"/>
-    </dgm:style>
-  </dgm:styleLbl>
-  <dgm:styleLbl name="bgAccFollowNode1">
-    <dgm:scene3d>
-      <a:camera prst="orthographicFront"/>
-      <a:lightRig rig="threePt" dir="t"/>
-    </dgm:scene3d>
-    <dgm:sp3d/>
-    <dgm:txPr/>
-    <dgm:style>
-      <a:lnRef idx="1">
-        <a:scrgbClr r="0" g="0" b="0"/>
-      </a:lnRef>
-      <a:fillRef idx="1">
-        <a:scrgbClr r="0" g="0" b="0"/>
-      </a:fillRef>
-      <a:effectRef idx="0">
-        <a:scrgbClr r="0" g="0" b="0"/>
-      </a:effectRef>
-      <a:fontRef idx="minor"/>
-    </dgm:style>
-  </dgm:styleLbl>
-  <dgm:styleLbl name="fgAcc0">
-    <dgm:scene3d>
-      <a:camera prst="orthographicFront"/>
-      <a:lightRig rig="threePt" dir="t"/>
-    </dgm:scene3d>
-    <dgm:sp3d/>
-    <dgm:txPr/>
-    <dgm:style>
-      <a:lnRef idx="1">
-        <a:scrgbClr r="0" g="0" b="0"/>
-      </a:lnRef>
-      <a:fillRef idx="1">
-        <a:scrgbClr r="0" g="0" b="0"/>
-      </a:fillRef>
-      <a:effectRef idx="0">
-        <a:scrgbClr r="0" g="0" b="0"/>
-      </a:effectRef>
-      <a:fontRef idx="minor"/>
-    </dgm:style>
-  </dgm:styleLbl>
-  <dgm:styleLbl name="fgAcc2">
-    <dgm:scene3d>
-      <a:camera prst="orthographicFront"/>
-      <a:lightRig rig="threePt" dir="t"/>
-    </dgm:scene3d>
-    <dgm:sp3d/>
-    <dgm:txPr/>
-    <dgm:style>
-      <a:lnRef idx="1">
-        <a:scrgbClr r="0" g="0" b="0"/>
-      </a:lnRef>
-      <a:fillRef idx="1">
-        <a:scrgbClr r="0" g="0" b="0"/>
-      </a:fillRef>
-      <a:effectRef idx="0">
-        <a:scrgbClr r="0" g="0" b="0"/>
-      </a:effectRef>
-      <a:fontRef idx="minor"/>
-    </dgm:style>
-  </dgm:styleLbl>
-  <dgm:styleLbl name="fgAcc3">
-    <dgm:scene3d>
-      <a:camera prst="orthographicFront"/>
-      <a:lightRig rig="threePt" dir="t"/>
-    </dgm:scene3d>
-    <dgm:sp3d/>
-    <dgm:txPr/>
-    <dgm:style>
-      <a:lnRef idx="1">
-        <a:scrgbClr r="0" g="0" b="0"/>
-      </a:lnRef>
-      <a:fillRef idx="1">
-        <a:scrgbClr r="0" g="0" b="0"/>
-      </a:fillRef>
-      <a:effectRef idx="0">
-        <a:scrgbClr r="0" g="0" b="0"/>
-      </a:effectRef>
-      <a:fontRef idx="minor"/>
-    </dgm:style>
-  </dgm:styleLbl>
-  <dgm:styleLbl name="fgAcc4">
-    <dgm:scene3d>
-      <a:camera prst="orthographicFront"/>
-      <a:lightRig rig="threePt" dir="t"/>
-    </dgm:scene3d>
-    <dgm:sp3d/>
-    <dgm:txPr/>
-    <dgm:style>
-      <a:lnRef idx="1">
-        <a:scrgbClr r="0" g="0" b="0"/>
-      </a:lnRef>
-      <a:fillRef idx="1">
-        <a:scrgbClr r="0" g="0" b="0"/>
-      </a:fillRef>
-      <a:effectRef idx="0">
-        <a:scrgbClr r="0" g="0" b="0"/>
-      </a:effectRef>
-      <a:fontRef idx="minor"/>
-    </dgm:style>
-  </dgm:styleLbl>
-  <dgm:styleLbl name="bgShp">
-    <dgm:scene3d>
-      <a:camera prst="orthographicFront"/>
-      <a:lightRig rig="threePt" dir="t"/>
-    </dgm:scene3d>
-    <dgm:sp3d/>
-    <dgm:txPr/>
-    <dgm:style>
-      <a:lnRef idx="0">
-        <a:scrgbClr r="0" g="0" b="0"/>
-      </a:lnRef>
-      <a:fillRef idx="1">
-        <a:scrgbClr r="0" g="0" b="0"/>
-      </a:fillRef>
-      <a:effectRef idx="1">
-        <a:scrgbClr r="0" g="0" b="0"/>
-      </a:effectRef>
-      <a:fontRef idx="minor"/>
-    </dgm:style>
-  </dgm:styleLbl>
-  <dgm:styleLbl name="dkBgShp">
-    <dgm:scene3d>
-      <a:camera prst="orthographicFront"/>
-      <a:lightRig rig="threePt" dir="t"/>
-    </dgm:scene3d>
-    <dgm:sp3d/>
-    <dgm:txPr/>
-    <dgm:style>
-      <a:lnRef idx="0">
-        <a:scrgbClr r="0" g="0" b="0"/>
-      </a:lnRef>
-      <a:fillRef idx="1">
-        <a:scrgbClr r="0" g="0" b="0"/>
-      </a:fillRef>
-      <a:effectRef idx="1">
-        <a:scrgbClr r="0" g="0" b="0"/>
-      </a:effectRef>
-      <a:fontRef idx="minor"/>
-    </dgm:style>
-  </dgm:styleLbl>
-  <dgm:styleLbl name="trBgShp">
-    <dgm:scene3d>
-      <a:camera prst="orthographicFront"/>
-      <a:lightRig rig="threePt" dir="t"/>
-    </dgm:scene3d>
-    <dgm:sp3d/>
-    <dgm:txPr/>
-    <dgm:style>
-      <a:lnRef idx="0">
-        <a:scrgbClr r="0" g="0" b="0"/>
-      </a:lnRef>
-      <a:fillRef idx="1">
-        <a:scrgbClr r="0" g="0" b="0"/>
-      </a:fillRef>
-      <a:effectRef idx="0">
-        <a:scrgbClr r="0" g="0" b="0"/>
-      </a:effectRef>
-      <a:fontRef idx="minor"/>
-    </dgm:style>
-  </dgm:styleLbl>
-  <dgm:styleLbl name="fgShp">
-    <dgm:scene3d>
-      <a:camera prst="orthographicFront"/>
-      <a:lightRig rig="flat" dir="t"/>
-    </dgm:scene3d>
-    <dgm:sp3d prstMaterial="dkEdge">
-      <a:bevelT w="8200" h="38100"/>
-    </dgm:sp3d>
-    <dgm:txPr/>
-    <dgm:style>
-      <a:lnRef idx="1">
-        <a:scrgbClr r="0" g="0" b="0"/>
-      </a:lnRef>
-      <a:fillRef idx="2">
-        <a:scrgbClr r="0" g="0" b="0"/>
-      </a:fillRef>
-      <a:effectRef idx="1">
-        <a:scrgbClr r="0" g="0" b="0"/>
-      </a:effectRef>
-      <a:fontRef idx="minor"/>
-    </dgm:style>
-  </dgm:styleLbl>
-  <dgm:styleLbl name="revTx">
-    <dgm:scene3d>
-      <a:camera prst="orthographicFront"/>
-      <a:lightRig rig="threePt" dir="t"/>
-    </dgm:scene3d>
-    <dgm:sp3d/>
-    <dgm:txPr/>
-    <dgm:style>
-      <a:lnRef idx="0">
-        <a:scrgbClr r="0" g="0" b="0"/>
-      </a:lnRef>
-      <a:fillRef idx="0">
-        <a:scrgbClr r="0" g="0" b="0"/>
-      </a:fillRef>
-      <a:effectRef idx="0">
-        <a:scrgbClr r="0" g="0" b="0"/>
-      </a:effectRef>
-      <a:fontRef idx="minor"/>
-    </dgm:style>
-  </dgm:styleLbl>
-</dgm:styleDef>
 </file>
 
 <file path=ppt/notesMasters/notesMaster1.xml><?xml version="1.0" encoding="utf-8"?>
@@ -12905,34 +10417,6 @@
           </a:p>
         </p:txBody>
       </p:sp>
-      <p:graphicFrame>
-        <p:nvGraphicFramePr>
-          <p:cNvPr id="3225" name="Diagram 3224">
-            <a:extLst>
-              <a:ext uri="{FF2B5EF4-FFF2-40B4-BE49-F238E27FC236}">
-                <a16:creationId xmlns:a16="http://schemas.microsoft.com/office/drawing/2014/main" id="{B11AAA34-0F29-0FE7-1349-C00EEDD2E8EC}"/>
-              </a:ext>
-            </a:extLst>
-          </p:cNvPr>
-          <p:cNvGraphicFramePr/>
-          <p:nvPr>
-            <p:extLst>
-              <p:ext uri="{D42A27DB-BD31-4B8C-83A1-F6EECF244321}">
-                <p14:modId xmlns:p14="http://schemas.microsoft.com/office/powerpoint/2010/main" val="2432185518"/>
-              </p:ext>
-            </p:extLst>
-          </p:nvPr>
-        </p:nvGraphicFramePr>
-        <p:xfrm>
-          <a:off x="394988" y="24498757"/>
-          <a:ext cx="8822975" cy="7288516"/>
-        </p:xfrm>
-        <a:graphic>
-          <a:graphicData uri="http://schemas.openxmlformats.org/drawingml/2006/diagram">
-            <dgm:relIds xmlns:dgm="http://schemas.openxmlformats.org/drawingml/2006/diagram" xmlns:r="http://schemas.openxmlformats.org/officeDocument/2006/relationships" r:dm="rId5" r:lo="rId6" r:qs="rId7" r:cs="rId8"/>
-          </a:graphicData>
-        </a:graphic>
-      </p:graphicFrame>
       <p:pic>
         <p:nvPicPr>
           <p:cNvPr id="1026" name="Picture 2">
@@ -12948,7 +10432,7 @@
           <p:nvPr/>
         </p:nvPicPr>
         <p:blipFill>
-          <a:blip r:embed="rId10">
+          <a:blip r:embed="rId5">
             <a:extLst>
               <a:ext uri="{28A0092B-C50C-407E-A947-70E740481C1C}">
                 <a14:useLocalDpi xmlns:a14="http://schemas.microsoft.com/office/drawing/2010/main" val="0"/>
@@ -12995,7 +10479,7 @@
           <p:nvPr/>
         </p:nvPicPr>
         <p:blipFill>
-          <a:blip r:embed="rId11">
+          <a:blip r:embed="rId6">
             <a:extLst>
               <a:ext uri="{28A0092B-C50C-407E-A947-70E740481C1C}">
                 <a14:useLocalDpi xmlns:a14="http://schemas.microsoft.com/office/drawing/2010/main" val="0"/>
@@ -13134,7 +10618,7 @@
           <p:nvPr/>
         </p:nvPicPr>
         <p:blipFill>
-          <a:blip r:embed="rId12">
+          <a:blip r:embed="rId7">
             <a:extLst>
               <a:ext uri="{28A0092B-C50C-407E-A947-70E740481C1C}">
                 <a14:useLocalDpi xmlns:a14="http://schemas.microsoft.com/office/drawing/2010/main" val="0"/>
@@ -13181,7 +10665,7 @@
           <p:nvPr/>
         </p:nvPicPr>
         <p:blipFill>
-          <a:blip r:embed="rId13"/>
+          <a:blip r:embed="rId8"/>
           <a:stretch>
             <a:fillRect/>
           </a:stretch>
@@ -13211,7 +10695,7 @@
           <p:nvPr/>
         </p:nvPicPr>
         <p:blipFill>
-          <a:blip r:embed="rId14">
+          <a:blip r:embed="rId9">
             <a:extLst>
               <a:ext uri="{28A0092B-C50C-407E-A947-70E740481C1C}">
                 <a14:useLocalDpi xmlns:a14="http://schemas.microsoft.com/office/drawing/2010/main" val="0"/>
@@ -13258,7 +10742,7 @@
           <p:nvPr/>
         </p:nvPicPr>
         <p:blipFill>
-          <a:blip r:embed="rId15">
+          <a:blip r:embed="rId10">
             <a:extLst>
               <a:ext uri="{28A0092B-C50C-407E-A947-70E740481C1C}">
                 <a14:useLocalDpi xmlns:a14="http://schemas.microsoft.com/office/drawing/2010/main" val="0"/>
@@ -13325,6 +10809,53 @@
           <a:effectLst/>
         </p:spPr>
       </p:cxnSp>
+      <p:pic>
+        <p:nvPicPr>
+          <p:cNvPr id="5" name="Picture 2">
+            <a:extLst>
+              <a:ext uri="{FF2B5EF4-FFF2-40B4-BE49-F238E27FC236}">
+                <a16:creationId xmlns:a16="http://schemas.microsoft.com/office/drawing/2014/main" id="{6A4F2B4A-4937-1EAC-9D41-4C8C447E541E}"/>
+              </a:ext>
+            </a:extLst>
+          </p:cNvPr>
+          <p:cNvPicPr>
+            <a:picLocks noChangeAspect="1" noChangeArrowheads="1"/>
+          </p:cNvPicPr>
+          <p:nvPr/>
+        </p:nvPicPr>
+        <p:blipFill>
+          <a:blip r:embed="rId11">
+            <a:extLst>
+              <a:ext uri="{28A0092B-C50C-407E-A947-70E740481C1C}">
+                <a14:useLocalDpi xmlns:a14="http://schemas.microsoft.com/office/drawing/2010/main" val="0"/>
+              </a:ext>
+            </a:extLst>
+          </a:blip>
+          <a:srcRect/>
+          <a:stretch>
+            <a:fillRect/>
+          </a:stretch>
+        </p:blipFill>
+        <p:spPr bwMode="auto">
+          <a:xfrm>
+            <a:off x="15286" y="24365894"/>
+            <a:ext cx="10288954" cy="7135456"/>
+          </a:xfrm>
+          <a:prstGeom prst="rect">
+            <a:avLst/>
+          </a:prstGeom>
+          <a:noFill/>
+          <a:extLst>
+            <a:ext uri="{909E8E84-426E-40DD-AFC4-6F175D3DCCD1}">
+              <a14:hiddenFill xmlns:a14="http://schemas.microsoft.com/office/drawing/2010/main">
+                <a:solidFill>
+                  <a:srgbClr val="FFFFFF"/>
+                </a:solidFill>
+              </a14:hiddenFill>
+            </a:ext>
+          </a:extLst>
+        </p:spPr>
+      </p:pic>
     </p:spTree>
     <p:extLst>
       <p:ext uri="{BB962C8B-B14F-4D97-AF65-F5344CB8AC3E}">

--- a/Poster.pptx
+++ b/Poster.pptx
@@ -8507,7 +8507,7 @@
               <a:defRPr/>
             </a:pPr>
             <a:r>
-              <a:rPr lang="en-US" sz="3600" dirty="0" err="1">
+              <a:rPr lang="en-US" sz="3600">
                 <a:solidFill>
                   <a:schemeClr val="bg2">
                     <a:lumMod val="50000"/>
@@ -8517,21 +8517,18 @@
                 <a:ea typeface="SF Pro Semibold" pitchFamily="2" charset="0"/>
                 <a:cs typeface="Arial" charset="0"/>
               </a:rPr>
-              <a:t>GridSearchCV</a:t>
-            </a:r>
-            <a:r>
-              <a:rPr lang="en-US" sz="3600" dirty="0">
-                <a:solidFill>
-                  <a:schemeClr val="bg2">
-                    <a:lumMod val="50000"/>
-                  </a:schemeClr>
-                </a:solidFill>
-                <a:latin typeface="Arial" charset="0"/>
-                <a:ea typeface="SF Pro Semibold" pitchFamily="2" charset="0"/>
-                <a:cs typeface="Arial" charset="0"/>
-              </a:rPr>
-              <a:t> was used to tune hyperparameters for each tuned model, optimizing for recall score to prioritize the detection of true failures. The dataset was split into 80% training and 20% testing sets for robust evaluation.  </a:t>
-            </a:r>
+              <a:t>GridSearchCV was used to tune hyperparameters for each tuned model, optimizing for recall score to prioritize the detection of true failures. The dataset was split into 80% training and 20% testing sets for robust evaluation.  </a:t>
+            </a:r>
+            <a:endParaRPr lang="en-US" sz="3600" dirty="0">
+              <a:solidFill>
+                <a:schemeClr val="bg2">
+                  <a:lumMod val="50000"/>
+                </a:schemeClr>
+              </a:solidFill>
+              <a:latin typeface="Arial" charset="0"/>
+              <a:ea typeface="SF Pro Semibold" pitchFamily="2" charset="0"/>
+              <a:cs typeface="Arial" charset="0"/>
+            </a:endParaRPr>
           </a:p>
         </p:txBody>
       </p:sp>
@@ -9741,7 +9738,7 @@
         </p:nvSpPr>
         <p:spPr>
           <a:xfrm>
-            <a:off x="5080000" y="821123"/>
+            <a:off x="4033520" y="365916"/>
             <a:ext cx="51460399" cy="5355312"/>
           </a:xfrm>
           <a:prstGeom prst="rect">
@@ -9773,7 +9770,7 @@
                 <a:ea typeface="Inter" panose="02000503000000020004" pitchFamily="2" charset="0"/>
                 <a:cs typeface="Arial" panose="020B0604020202020204" pitchFamily="34" charset="0"/>
               </a:rPr>
-              <a:t>Predictive Maintenance Using Machine Learning to Forecast Failure</a:t>
+              <a:t>Forecasting Equipment Failure using Machine Learning</a:t>
             </a:r>
           </a:p>
           <a:p>
@@ -10854,6 +10851,35 @@
               </a14:hiddenFill>
             </a:ext>
           </a:extLst>
+        </p:spPr>
+      </p:pic>
+      <p:pic>
+        <p:nvPicPr>
+          <p:cNvPr id="12" name="Picture 11">
+            <a:extLst>
+              <a:ext uri="{FF2B5EF4-FFF2-40B4-BE49-F238E27FC236}">
+                <a16:creationId xmlns:a16="http://schemas.microsoft.com/office/drawing/2014/main" id="{A3C068F6-AD35-A763-337E-A901CC676391}"/>
+              </a:ext>
+            </a:extLst>
+          </p:cNvPr>
+          <p:cNvPicPr>
+            <a:picLocks noChangeAspect="1"/>
+          </p:cNvPicPr>
+          <p:nvPr/>
+        </p:nvPicPr>
+        <p:blipFill>
+          <a:blip r:embed="rId12"/>
+          <a:srcRect/>
+          <a:stretch/>
+        </p:blipFill>
+        <p:spPr>
+          <a:xfrm>
+            <a:off x="39412999" y="364842"/>
+            <a:ext cx="3818535" cy="3818535"/>
+          </a:xfrm>
+          <a:prstGeom prst="rect">
+            <a:avLst/>
+          </a:prstGeom>
         </p:spPr>
       </p:pic>
     </p:spTree>

--- a/Poster.pptx
+++ b/Poster.pptx
@@ -9738,7 +9738,7 @@
         </p:nvSpPr>
         <p:spPr>
           <a:xfrm>
-            <a:off x="4033520" y="365916"/>
+            <a:off x="4033520" y="416716"/>
             <a:ext cx="51460399" cy="5355312"/>
           </a:xfrm>
           <a:prstGeom prst="rect">
@@ -10874,7 +10874,7 @@
         </p:blipFill>
         <p:spPr>
           <a:xfrm>
-            <a:off x="39412999" y="364842"/>
+            <a:off x="39627191" y="445474"/>
             <a:ext cx="3818535" cy="3818535"/>
           </a:xfrm>
           <a:prstGeom prst="rect">

--- a/Poster.pptx
+++ b/Poster.pptx
@@ -206,7 +206,7 @@
           <a:p>
             <a:fld id="{7ACADFF2-B417-41A2-8B4F-57B66A4E1ABD}" type="datetimeFigureOut">
               <a:rPr lang="en-US" smtClean="0"/>
-              <a:t>7/17/25</a:t>
+              <a:t>7/18/25</a:t>
             </a:fld>
             <a:endParaRPr lang="en-US"/>
           </a:p>
@@ -688,7 +688,7 @@
           <a:p>
             <a:fld id="{4DE00E4B-295B-3643-81B9-D886B240B44E}" type="datetimeFigureOut">
               <a:rPr lang="en-US" smtClean="0"/>
-              <a:t>7/17/25</a:t>
+              <a:t>7/18/25</a:t>
             </a:fld>
             <a:endParaRPr lang="en-US"/>
           </a:p>
@@ -858,7 +858,7 @@
           <a:p>
             <a:fld id="{4DE00E4B-295B-3643-81B9-D886B240B44E}" type="datetimeFigureOut">
               <a:rPr lang="en-US" smtClean="0"/>
-              <a:t>7/17/25</a:t>
+              <a:t>7/18/25</a:t>
             </a:fld>
             <a:endParaRPr lang="en-US"/>
           </a:p>
@@ -1038,7 +1038,7 @@
           <a:p>
             <a:fld id="{4DE00E4B-295B-3643-81B9-D886B240B44E}" type="datetimeFigureOut">
               <a:rPr lang="en-US" smtClean="0"/>
-              <a:t>7/17/25</a:t>
+              <a:t>7/18/25</a:t>
             </a:fld>
             <a:endParaRPr lang="en-US"/>
           </a:p>
@@ -2212,7 +2212,7 @@
           <a:p>
             <a:fld id="{4DE00E4B-295B-3643-81B9-D886B240B44E}" type="datetimeFigureOut">
               <a:rPr lang="en-US" smtClean="0"/>
-              <a:t>7/17/25</a:t>
+              <a:t>7/18/25</a:t>
             </a:fld>
             <a:endParaRPr lang="en-US"/>
           </a:p>
@@ -2456,7 +2456,7 @@
           <a:p>
             <a:fld id="{4DE00E4B-295B-3643-81B9-D886B240B44E}" type="datetimeFigureOut">
               <a:rPr lang="en-US" smtClean="0"/>
-              <a:t>7/17/25</a:t>
+              <a:t>7/18/25</a:t>
             </a:fld>
             <a:endParaRPr lang="en-US"/>
           </a:p>
@@ -2688,7 +2688,7 @@
           <a:p>
             <a:fld id="{4DE00E4B-295B-3643-81B9-D886B240B44E}" type="datetimeFigureOut">
               <a:rPr lang="en-US" smtClean="0"/>
-              <a:t>7/17/25</a:t>
+              <a:t>7/18/25</a:t>
             </a:fld>
             <a:endParaRPr lang="en-US"/>
           </a:p>
@@ -3055,7 +3055,7 @@
           <a:p>
             <a:fld id="{4DE00E4B-295B-3643-81B9-D886B240B44E}" type="datetimeFigureOut">
               <a:rPr lang="en-US" smtClean="0"/>
-              <a:t>7/17/25</a:t>
+              <a:t>7/18/25</a:t>
             </a:fld>
             <a:endParaRPr lang="en-US"/>
           </a:p>
@@ -3173,7 +3173,7 @@
           <a:p>
             <a:fld id="{4DE00E4B-295B-3643-81B9-D886B240B44E}" type="datetimeFigureOut">
               <a:rPr lang="en-US" smtClean="0"/>
-              <a:t>7/17/25</a:t>
+              <a:t>7/18/25</a:t>
             </a:fld>
             <a:endParaRPr lang="en-US"/>
           </a:p>
@@ -3268,7 +3268,7 @@
           <a:p>
             <a:fld id="{4DE00E4B-295B-3643-81B9-D886B240B44E}" type="datetimeFigureOut">
               <a:rPr lang="en-US" smtClean="0"/>
-              <a:t>7/17/25</a:t>
+              <a:t>7/18/25</a:t>
             </a:fld>
             <a:endParaRPr lang="en-US"/>
           </a:p>
@@ -3545,7 +3545,7 @@
           <a:p>
             <a:fld id="{4DE00E4B-295B-3643-81B9-D886B240B44E}" type="datetimeFigureOut">
               <a:rPr lang="en-US" smtClean="0"/>
-              <a:t>7/17/25</a:t>
+              <a:t>7/18/25</a:t>
             </a:fld>
             <a:endParaRPr lang="en-US"/>
           </a:p>
@@ -3802,7 +3802,7 @@
           <a:p>
             <a:fld id="{4DE00E4B-295B-3643-81B9-D886B240B44E}" type="datetimeFigureOut">
               <a:rPr lang="en-US" smtClean="0"/>
-              <a:t>7/17/25</a:t>
+              <a:t>7/18/25</a:t>
             </a:fld>
             <a:endParaRPr lang="en-US"/>
           </a:p>
@@ -4015,7 +4015,7 @@
           <a:p>
             <a:fld id="{4DE00E4B-295B-3643-81B9-D886B240B44E}" type="datetimeFigureOut">
               <a:rPr lang="en-US" smtClean="0"/>
-              <a:t>7/17/25</a:t>
+              <a:t>7/18/25</a:t>
             </a:fld>
             <a:endParaRPr lang="en-US"/>
           </a:p>
@@ -9174,8 +9174,8 @@
         </p:nvSpPr>
         <p:spPr>
           <a:xfrm>
-            <a:off x="32705022" y="25535469"/>
-            <a:ext cx="9453552" cy="6541150"/>
+            <a:off x="32705021" y="25535469"/>
+            <a:ext cx="10840971" cy="5909310"/>
           </a:xfrm>
           <a:prstGeom prst="rect">
             <a:avLst/>

--- a/Poster.pptx
+++ b/Poster.pptx
@@ -8507,7 +8507,7 @@
               <a:defRPr/>
             </a:pPr>
             <a:r>
-              <a:rPr lang="en-US" sz="3600">
+              <a:rPr lang="en-US" sz="3600" dirty="0" err="1">
                 <a:solidFill>
                   <a:schemeClr val="bg2">
                     <a:lumMod val="50000"/>
@@ -8517,18 +8517,21 @@
                 <a:ea typeface="SF Pro Semibold" pitchFamily="2" charset="0"/>
                 <a:cs typeface="Arial" charset="0"/>
               </a:rPr>
-              <a:t>GridSearchCV was used to tune hyperparameters for each tuned model, optimizing for recall score to prioritize the detection of true failures. The dataset was split into 80% training and 20% testing sets for robust evaluation.  </a:t>
-            </a:r>
-            <a:endParaRPr lang="en-US" sz="3600" dirty="0">
-              <a:solidFill>
-                <a:schemeClr val="bg2">
-                  <a:lumMod val="50000"/>
-                </a:schemeClr>
-              </a:solidFill>
-              <a:latin typeface="Arial" charset="0"/>
-              <a:ea typeface="SF Pro Semibold" pitchFamily="2" charset="0"/>
-              <a:cs typeface="Arial" charset="0"/>
-            </a:endParaRPr>
+              <a:t>GridSearchCV</a:t>
+            </a:r>
+            <a:r>
+              <a:rPr lang="en-US" sz="3600" dirty="0">
+                <a:solidFill>
+                  <a:schemeClr val="bg2">
+                    <a:lumMod val="50000"/>
+                  </a:schemeClr>
+                </a:solidFill>
+                <a:latin typeface="Arial" charset="0"/>
+                <a:ea typeface="SF Pro Semibold" pitchFamily="2" charset="0"/>
+                <a:cs typeface="Arial" charset="0"/>
+              </a:rPr>
+              <a:t> was used to systematically tune hyperparameters for each model, optimizing for recall score to prioritize the detection of true failures. The dataset was split into 80% training and 20% testing sets for robust evaluation.  </a:t>
+            </a:r>
           </a:p>
         </p:txBody>
       </p:sp>
@@ -9069,7 +9072,7 @@
                 <a:ea typeface="Arial" charset="0"/>
                 <a:cs typeface="Arial" charset="0"/>
               </a:rPr>
-              <a:t>, and k-NN.</a:t>
+              <a:t>, and the Bagging classifier.</a:t>
             </a:r>
             <a:endParaRPr kumimoji="0" lang="en-US" sz="3600" b="0" i="0" u="none" strike="noStrike" kern="1200" cap="none" spc="0" normalizeH="0" baseline="0" noProof="0" dirty="0">
               <a:ln>
